--- a/스토리보드/3학년/2차/한대희/suh_h_0302_02_0001_v3.pptx
+++ b/스토리보드/3학년/2차/한대희/suh_h_0302_02_0001_v3.pptx
@@ -157,7 +157,7 @@
   </p:defaultTextStyle>
   <p:extLst>
     <p:ext uri="{EFAFB233-063F-42B5-8137-9DF3F51BA10A}">
-      <p15:sldGuideLst xmlns:p15="http://schemas.microsoft.com/office/powerpoint/2012/main">
+      <p15:sldGuideLst xmlns:p15="http://schemas.microsoft.com/office/powerpoint/2012/main" xmlns="">
         <p15:guide id="1" orient="horz" pos="4292">
           <p15:clr>
             <a:srgbClr val="A4A3A4"/>
@@ -171,7 +171,7 @@
       </p15:sldGuideLst>
     </p:ext>
     <p:ext uri="{2D200454-40CA-4A62-9FC3-DE9A4176ACB9}">
-      <p15:notesGuideLst xmlns:p15="http://schemas.microsoft.com/office/powerpoint/2012/main">
+      <p15:notesGuideLst xmlns:p15="http://schemas.microsoft.com/office/powerpoint/2012/main" xmlns="">
         <p15:guide id="1" orient="horz" pos="3127">
           <p15:clr>
             <a:srgbClr val="A4A3A4"/>
@@ -1811,14 +1811,14 @@
                 <a:gridCol w="6938661">
                   <a:extLst>
                     <a:ext uri="{9D8B030D-6E8A-4147-A177-3AD203B41FA5}">
-                      <a16:colId xmlns:a16="http://schemas.microsoft.com/office/drawing/2014/main" val="20000"/>
+                      <a16:colId xmlns:a16="http://schemas.microsoft.com/office/drawing/2014/main" xmlns="" val="20000"/>
                     </a:ext>
                   </a:extLst>
                 </a:gridCol>
                 <a:gridCol w="2124376">
                   <a:extLst>
                     <a:ext uri="{9D8B030D-6E8A-4147-A177-3AD203B41FA5}">
-                      <a16:colId xmlns:a16="http://schemas.microsoft.com/office/drawing/2014/main" val="20001"/>
+                      <a16:colId xmlns:a16="http://schemas.microsoft.com/office/drawing/2014/main" xmlns="" val="20001"/>
                     </a:ext>
                   </a:extLst>
                 </a:gridCol>
@@ -2001,7 +2001,7 @@
                 </a:tc>
                 <a:extLst>
                   <a:ext uri="{0D108BD9-81ED-4DB2-BD59-A6C34878D82A}">
-                    <a16:rowId xmlns:a16="http://schemas.microsoft.com/office/drawing/2014/main" val="10000"/>
+                    <a16:rowId xmlns:a16="http://schemas.microsoft.com/office/drawing/2014/main" xmlns="" val="10000"/>
                   </a:ext>
                 </a:extLst>
               </a:tr>
@@ -2029,56 +2029,56 @@
                 <a:gridCol w="780574">
                   <a:extLst>
                     <a:ext uri="{9D8B030D-6E8A-4147-A177-3AD203B41FA5}">
-                      <a16:colId xmlns:a16="http://schemas.microsoft.com/office/drawing/2014/main" val="20000"/>
+                      <a16:colId xmlns:a16="http://schemas.microsoft.com/office/drawing/2014/main" xmlns="" val="20000"/>
                     </a:ext>
                   </a:extLst>
                 </a:gridCol>
                 <a:gridCol w="889949">
                   <a:extLst>
                     <a:ext uri="{9D8B030D-6E8A-4147-A177-3AD203B41FA5}">
-                      <a16:colId xmlns:a16="http://schemas.microsoft.com/office/drawing/2014/main" val="20001"/>
+                      <a16:colId xmlns:a16="http://schemas.microsoft.com/office/drawing/2014/main" xmlns="" val="20001"/>
                     </a:ext>
                   </a:extLst>
                 </a:gridCol>
                 <a:gridCol w="540056">
                   <a:extLst>
                     <a:ext uri="{9D8B030D-6E8A-4147-A177-3AD203B41FA5}">
-                      <a16:colId xmlns:a16="http://schemas.microsoft.com/office/drawing/2014/main" val="20002"/>
+                      <a16:colId xmlns:a16="http://schemas.microsoft.com/office/drawing/2014/main" xmlns="" val="20002"/>
                     </a:ext>
                   </a:extLst>
                 </a:gridCol>
                 <a:gridCol w="2772323">
                   <a:extLst>
                     <a:ext uri="{9D8B030D-6E8A-4147-A177-3AD203B41FA5}">
-                      <a16:colId xmlns:a16="http://schemas.microsoft.com/office/drawing/2014/main" val="20003"/>
+                      <a16:colId xmlns:a16="http://schemas.microsoft.com/office/drawing/2014/main" xmlns="" val="20003"/>
                     </a:ext>
                   </a:extLst>
                 </a:gridCol>
                 <a:gridCol w="648072">
                   <a:extLst>
                     <a:ext uri="{9D8B030D-6E8A-4147-A177-3AD203B41FA5}">
-                      <a16:colId xmlns:a16="http://schemas.microsoft.com/office/drawing/2014/main" val="20004"/>
+                      <a16:colId xmlns:a16="http://schemas.microsoft.com/office/drawing/2014/main" xmlns="" val="20004"/>
                     </a:ext>
                   </a:extLst>
                 </a:gridCol>
                 <a:gridCol w="1330199">
                   <a:extLst>
                     <a:ext uri="{9D8B030D-6E8A-4147-A177-3AD203B41FA5}">
-                      <a16:colId xmlns:a16="http://schemas.microsoft.com/office/drawing/2014/main" val="20005"/>
+                      <a16:colId xmlns:a16="http://schemas.microsoft.com/office/drawing/2014/main" xmlns="" val="20005"/>
                     </a:ext>
                   </a:extLst>
                 </a:gridCol>
                 <a:gridCol w="730255">
                   <a:extLst>
                     <a:ext uri="{9D8B030D-6E8A-4147-A177-3AD203B41FA5}">
-                      <a16:colId xmlns:a16="http://schemas.microsoft.com/office/drawing/2014/main" val="20006"/>
+                      <a16:colId xmlns:a16="http://schemas.microsoft.com/office/drawing/2014/main" xmlns="" val="20006"/>
                     </a:ext>
                   </a:extLst>
                 </a:gridCol>
                 <a:gridCol w="1350972">
                   <a:extLst>
                     <a:ext uri="{9D8B030D-6E8A-4147-A177-3AD203B41FA5}">
-                      <a16:colId xmlns:a16="http://schemas.microsoft.com/office/drawing/2014/main" val="20007"/>
+                      <a16:colId xmlns:a16="http://schemas.microsoft.com/office/drawing/2014/main" xmlns="" val="20007"/>
                     </a:ext>
                   </a:extLst>
                 </a:gridCol>
@@ -2683,7 +2683,7 @@
                 </a:tc>
                 <a:extLst>
                   <a:ext uri="{0D108BD9-81ED-4DB2-BD59-A6C34878D82A}">
-                    <a16:rowId xmlns:a16="http://schemas.microsoft.com/office/drawing/2014/main" val="10000"/>
+                    <a16:rowId xmlns:a16="http://schemas.microsoft.com/office/drawing/2014/main" xmlns="" val="10000"/>
                   </a:ext>
                 </a:extLst>
               </a:tr>
@@ -3148,7 +3148,7 @@
                 </a:tc>
                 <a:extLst>
                   <a:ext uri="{0D108BD9-81ED-4DB2-BD59-A6C34878D82A}">
-                    <a16:rowId xmlns:a16="http://schemas.microsoft.com/office/drawing/2014/main" val="10001"/>
+                    <a16:rowId xmlns:a16="http://schemas.microsoft.com/office/drawing/2014/main" xmlns="" val="10001"/>
                   </a:ext>
                 </a:extLst>
               </a:tr>
@@ -3222,7 +3222,7 @@
                 <a:gridCol w="6923853">
                   <a:extLst>
                     <a:ext uri="{9D8B030D-6E8A-4147-A177-3AD203B41FA5}">
-                      <a16:colId xmlns:a16="http://schemas.microsoft.com/office/drawing/2014/main" val="20000"/>
+                      <a16:colId xmlns:a16="http://schemas.microsoft.com/office/drawing/2014/main" xmlns="" val="20000"/>
                     </a:ext>
                   </a:extLst>
                 </a:gridCol>
@@ -3282,7 +3282,7 @@
                 </a:tc>
                 <a:extLst>
                   <a:ext uri="{0D108BD9-81ED-4DB2-BD59-A6C34878D82A}">
-                    <a16:rowId xmlns:a16="http://schemas.microsoft.com/office/drawing/2014/main" val="10000"/>
+                    <a16:rowId xmlns:a16="http://schemas.microsoft.com/office/drawing/2014/main" xmlns="" val="10000"/>
                   </a:ext>
                 </a:extLst>
               </a:tr>
@@ -3310,7 +3310,7 @@
                 <a:gridCol w="576263">
                   <a:extLst>
                     <a:ext uri="{9D8B030D-6E8A-4147-A177-3AD203B41FA5}">
-                      <a16:colId xmlns:a16="http://schemas.microsoft.com/office/drawing/2014/main" val="20000"/>
+                      <a16:colId xmlns:a16="http://schemas.microsoft.com/office/drawing/2014/main" xmlns="" val="20000"/>
                     </a:ext>
                   </a:extLst>
                 </a:gridCol>
@@ -3417,7 +3417,7 @@
                 </a:tc>
                 <a:extLst>
                   <a:ext uri="{0D108BD9-81ED-4DB2-BD59-A6C34878D82A}">
-                    <a16:rowId xmlns:a16="http://schemas.microsoft.com/office/drawing/2014/main" val="10000"/>
+                    <a16:rowId xmlns:a16="http://schemas.microsoft.com/office/drawing/2014/main" xmlns="" val="10000"/>
                   </a:ext>
                 </a:extLst>
               </a:tr>
@@ -4024,42 +4024,42 @@
                 <a:gridCol w="423863">
                   <a:extLst>
                     <a:ext uri="{9D8B030D-6E8A-4147-A177-3AD203B41FA5}">
-                      <a16:colId xmlns:a16="http://schemas.microsoft.com/office/drawing/2014/main" val="20000"/>
+                      <a16:colId xmlns:a16="http://schemas.microsoft.com/office/drawing/2014/main" xmlns="" val="20000"/>
                     </a:ext>
                   </a:extLst>
                 </a:gridCol>
                 <a:gridCol w="560387">
                   <a:extLst>
                     <a:ext uri="{9D8B030D-6E8A-4147-A177-3AD203B41FA5}">
-                      <a16:colId xmlns:a16="http://schemas.microsoft.com/office/drawing/2014/main" val="20001"/>
+                      <a16:colId xmlns:a16="http://schemas.microsoft.com/office/drawing/2014/main" xmlns="" val="20001"/>
                     </a:ext>
                   </a:extLst>
                 </a:gridCol>
                 <a:gridCol w="984250">
                   <a:extLst>
                     <a:ext uri="{9D8B030D-6E8A-4147-A177-3AD203B41FA5}">
-                      <a16:colId xmlns:a16="http://schemas.microsoft.com/office/drawing/2014/main" val="20002"/>
+                      <a16:colId xmlns:a16="http://schemas.microsoft.com/office/drawing/2014/main" xmlns="" val="20002"/>
                     </a:ext>
                   </a:extLst>
                 </a:gridCol>
                 <a:gridCol w="4926013">
                   <a:extLst>
                     <a:ext uri="{9D8B030D-6E8A-4147-A177-3AD203B41FA5}">
-                      <a16:colId xmlns:a16="http://schemas.microsoft.com/office/drawing/2014/main" val="20003"/>
+                      <a16:colId xmlns:a16="http://schemas.microsoft.com/office/drawing/2014/main" xmlns="" val="20003"/>
                     </a:ext>
                   </a:extLst>
                 </a:gridCol>
                 <a:gridCol w="1243012">
                   <a:extLst>
                     <a:ext uri="{9D8B030D-6E8A-4147-A177-3AD203B41FA5}">
-                      <a16:colId xmlns:a16="http://schemas.microsoft.com/office/drawing/2014/main" val="20004"/>
+                      <a16:colId xmlns:a16="http://schemas.microsoft.com/office/drawing/2014/main" xmlns="" val="20004"/>
                     </a:ext>
                   </a:extLst>
                 </a:gridCol>
                 <a:gridCol w="792163">
                   <a:extLst>
                     <a:ext uri="{9D8B030D-6E8A-4147-A177-3AD203B41FA5}">
-                      <a16:colId xmlns:a16="http://schemas.microsoft.com/office/drawing/2014/main" val="20005"/>
+                      <a16:colId xmlns:a16="http://schemas.microsoft.com/office/drawing/2014/main" xmlns="" val="20005"/>
                     </a:ext>
                   </a:extLst>
                 </a:gridCol>
@@ -4647,7 +4647,7 @@
                 </a:tc>
                 <a:extLst>
                   <a:ext uri="{0D108BD9-81ED-4DB2-BD59-A6C34878D82A}">
-                    <a16:rowId xmlns:a16="http://schemas.microsoft.com/office/drawing/2014/main" val="10000"/>
+                    <a16:rowId xmlns:a16="http://schemas.microsoft.com/office/drawing/2014/main" xmlns="" val="10000"/>
                   </a:ext>
                 </a:extLst>
               </a:tr>
@@ -5160,7 +5160,7 @@
                 </a:tc>
                 <a:extLst>
                   <a:ext uri="{0D108BD9-81ED-4DB2-BD59-A6C34878D82A}">
-                    <a16:rowId xmlns:a16="http://schemas.microsoft.com/office/drawing/2014/main" val="10001"/>
+                    <a16:rowId xmlns:a16="http://schemas.microsoft.com/office/drawing/2014/main" xmlns="" val="10001"/>
                   </a:ext>
                 </a:extLst>
               </a:tr>
@@ -5734,7 +5734,7 @@
                 </a:tc>
                 <a:extLst>
                   <a:ext uri="{0D108BD9-81ED-4DB2-BD59-A6C34878D82A}">
-                    <a16:rowId xmlns:a16="http://schemas.microsoft.com/office/drawing/2014/main" val="10002"/>
+                    <a16:rowId xmlns:a16="http://schemas.microsoft.com/office/drawing/2014/main" xmlns="" val="10002"/>
                   </a:ext>
                 </a:extLst>
               </a:tr>
@@ -6309,7 +6309,7 @@
                 </a:tc>
                 <a:extLst>
                   <a:ext uri="{0D108BD9-81ED-4DB2-BD59-A6C34878D82A}">
-                    <a16:rowId xmlns:a16="http://schemas.microsoft.com/office/drawing/2014/main" val="10003"/>
+                    <a16:rowId xmlns:a16="http://schemas.microsoft.com/office/drawing/2014/main" xmlns="" val="10003"/>
                   </a:ext>
                 </a:extLst>
               </a:tr>
@@ -6883,7 +6883,7 @@
                 </a:tc>
                 <a:extLst>
                   <a:ext uri="{0D108BD9-81ED-4DB2-BD59-A6C34878D82A}">
-                    <a16:rowId xmlns:a16="http://schemas.microsoft.com/office/drawing/2014/main" val="10004"/>
+                    <a16:rowId xmlns:a16="http://schemas.microsoft.com/office/drawing/2014/main" xmlns="" val="10004"/>
                   </a:ext>
                 </a:extLst>
               </a:tr>
@@ -7220,21 +7220,7 @@
                           <a:latin typeface="맑은 고딕" pitchFamily="50" charset="-127"/>
                           <a:ea typeface="맑은 고딕" pitchFamily="50" charset="-127"/>
                         </a:rPr>
-                        <a:t>차 </a:t>
-                      </a:r>
-                      <a:r>
-                        <a:rPr kumimoji="0" lang="ko-KR" altLang="en-US" sz="1000" b="0" i="0" u="none" strike="noStrike" cap="none" normalizeH="0" baseline="0" dirty="0" smtClean="0">
-                          <a:ln>
-                            <a:noFill/>
-                          </a:ln>
-                          <a:solidFill>
-                            <a:schemeClr val="tx1"/>
-                          </a:solidFill>
-                          <a:effectLst/>
-                          <a:latin typeface="맑은 고딕" pitchFamily="50" charset="-127"/>
-                          <a:ea typeface="맑은 고딕" pitchFamily="50" charset="-127"/>
-                        </a:rPr>
-                        <a:t>검토</a:t>
+                        <a:t>차 검토</a:t>
                       </a:r>
                       <a:endParaRPr kumimoji="0" lang="ko-KR" altLang="ko-KR" sz="1000" b="0" i="0" u="none" strike="noStrike" cap="none" normalizeH="0" baseline="0" dirty="0">
                         <a:ln>
@@ -7472,7 +7458,7 @@
                 </a:tc>
                 <a:extLst>
                   <a:ext uri="{0D108BD9-81ED-4DB2-BD59-A6C34878D82A}">
-                    <a16:rowId xmlns:a16="http://schemas.microsoft.com/office/drawing/2014/main" val="10005"/>
+                    <a16:rowId xmlns:a16="http://schemas.microsoft.com/office/drawing/2014/main" xmlns="" val="10005"/>
                   </a:ext>
                 </a:extLst>
               </a:tr>
@@ -7962,7 +7948,7 @@
                 </a:tc>
                 <a:extLst>
                   <a:ext uri="{0D108BD9-81ED-4DB2-BD59-A6C34878D82A}">
-                    <a16:rowId xmlns:a16="http://schemas.microsoft.com/office/drawing/2014/main" val="10006"/>
+                    <a16:rowId xmlns:a16="http://schemas.microsoft.com/office/drawing/2014/main" xmlns="" val="10006"/>
                   </a:ext>
                 </a:extLst>
               </a:tr>
@@ -8452,7 +8438,7 @@
                 </a:tc>
                 <a:extLst>
                   <a:ext uri="{0D108BD9-81ED-4DB2-BD59-A6C34878D82A}">
-                    <a16:rowId xmlns:a16="http://schemas.microsoft.com/office/drawing/2014/main" val="10007"/>
+                    <a16:rowId xmlns:a16="http://schemas.microsoft.com/office/drawing/2014/main" xmlns="" val="10007"/>
                   </a:ext>
                 </a:extLst>
               </a:tr>
@@ -8953,7 +8939,7 @@
                 </a:tc>
                 <a:extLst>
                   <a:ext uri="{0D108BD9-81ED-4DB2-BD59-A6C34878D82A}">
-                    <a16:rowId xmlns:a16="http://schemas.microsoft.com/office/drawing/2014/main" val="10008"/>
+                    <a16:rowId xmlns:a16="http://schemas.microsoft.com/office/drawing/2014/main" xmlns="" val="10008"/>
                   </a:ext>
                 </a:extLst>
               </a:tr>
@@ -9454,7 +9440,7 @@
                 </a:tc>
                 <a:extLst>
                   <a:ext uri="{0D108BD9-81ED-4DB2-BD59-A6C34878D82A}">
-                    <a16:rowId xmlns:a16="http://schemas.microsoft.com/office/drawing/2014/main" val="10009"/>
+                    <a16:rowId xmlns:a16="http://schemas.microsoft.com/office/drawing/2014/main" xmlns="" val="10009"/>
                   </a:ext>
                 </a:extLst>
               </a:tr>
@@ -9955,7 +9941,7 @@
                 </a:tc>
                 <a:extLst>
                   <a:ext uri="{0D108BD9-81ED-4DB2-BD59-A6C34878D82A}">
-                    <a16:rowId xmlns:a16="http://schemas.microsoft.com/office/drawing/2014/main" val="10010"/>
+                    <a16:rowId xmlns:a16="http://schemas.microsoft.com/office/drawing/2014/main" xmlns="" val="10010"/>
                   </a:ext>
                 </a:extLst>
               </a:tr>
@@ -10456,7 +10442,7 @@
                 </a:tc>
                 <a:extLst>
                   <a:ext uri="{0D108BD9-81ED-4DB2-BD59-A6C34878D82A}">
-                    <a16:rowId xmlns:a16="http://schemas.microsoft.com/office/drawing/2014/main" val="10011"/>
+                    <a16:rowId xmlns:a16="http://schemas.microsoft.com/office/drawing/2014/main" xmlns="" val="10011"/>
                   </a:ext>
                 </a:extLst>
               </a:tr>
@@ -10490,14 +10476,14 @@
                 <a:gridCol w="1319212">
                   <a:extLst>
                     <a:ext uri="{9D8B030D-6E8A-4147-A177-3AD203B41FA5}">
-                      <a16:colId xmlns:a16="http://schemas.microsoft.com/office/drawing/2014/main" val="20000"/>
+                      <a16:colId xmlns:a16="http://schemas.microsoft.com/office/drawing/2014/main" xmlns="" val="20000"/>
                     </a:ext>
                   </a:extLst>
                 </a:gridCol>
                 <a:gridCol w="1317625">
                   <a:extLst>
                     <a:ext uri="{9D8B030D-6E8A-4147-A177-3AD203B41FA5}">
-                      <a16:colId xmlns:a16="http://schemas.microsoft.com/office/drawing/2014/main" val="20001"/>
+                      <a16:colId xmlns:a16="http://schemas.microsoft.com/office/drawing/2014/main" xmlns="" val="20001"/>
                     </a:ext>
                   </a:extLst>
                 </a:gridCol>
@@ -10682,7 +10668,7 @@
                 </a:tc>
                 <a:extLst>
                   <a:ext uri="{0D108BD9-81ED-4DB2-BD59-A6C34878D82A}">
-                    <a16:rowId xmlns:a16="http://schemas.microsoft.com/office/drawing/2014/main" val="10000"/>
+                    <a16:rowId xmlns:a16="http://schemas.microsoft.com/office/drawing/2014/main" xmlns="" val="10000"/>
                   </a:ext>
                 </a:extLst>
               </a:tr>
@@ -10878,7 +10864,7 @@
                 </a:tc>
                 <a:extLst>
                   <a:ext uri="{0D108BD9-81ED-4DB2-BD59-A6C34878D82A}">
-                    <a16:rowId xmlns:a16="http://schemas.microsoft.com/office/drawing/2014/main" val="10001"/>
+                    <a16:rowId xmlns:a16="http://schemas.microsoft.com/office/drawing/2014/main" xmlns="" val="10001"/>
                   </a:ext>
                 </a:extLst>
               </a:tr>
@@ -10967,14 +10953,14 @@
                 <a:gridCol w="1764767">
                   <a:extLst>
                     <a:ext uri="{9D8B030D-6E8A-4147-A177-3AD203B41FA5}">
-                      <a16:colId xmlns:a16="http://schemas.microsoft.com/office/drawing/2014/main" val="20000"/>
+                      <a16:colId xmlns:a16="http://schemas.microsoft.com/office/drawing/2014/main" xmlns="" val="20000"/>
                     </a:ext>
                   </a:extLst>
                 </a:gridCol>
                 <a:gridCol w="4499508">
                   <a:extLst>
                     <a:ext uri="{9D8B030D-6E8A-4147-A177-3AD203B41FA5}">
-                      <a16:colId xmlns:a16="http://schemas.microsoft.com/office/drawing/2014/main" val="20001"/>
+                      <a16:colId xmlns:a16="http://schemas.microsoft.com/office/drawing/2014/main" xmlns="" val="20001"/>
                     </a:ext>
                   </a:extLst>
                 </a:gridCol>
@@ -11240,7 +11226,7 @@
                 </a:tc>
                 <a:extLst>
                   <a:ext uri="{0D108BD9-81ED-4DB2-BD59-A6C34878D82A}">
-                    <a16:rowId xmlns:a16="http://schemas.microsoft.com/office/drawing/2014/main" val="10000"/>
+                    <a16:rowId xmlns:a16="http://schemas.microsoft.com/office/drawing/2014/main" xmlns="" val="10000"/>
                   </a:ext>
                 </a:extLst>
               </a:tr>
@@ -11427,7 +11413,7 @@
                 </a:tc>
                 <a:extLst>
                   <a:ext uri="{0D108BD9-81ED-4DB2-BD59-A6C34878D82A}">
-                    <a16:rowId xmlns:a16="http://schemas.microsoft.com/office/drawing/2014/main" val="10001"/>
+                    <a16:rowId xmlns:a16="http://schemas.microsoft.com/office/drawing/2014/main" xmlns="" val="10001"/>
                   </a:ext>
                 </a:extLst>
               </a:tr>
@@ -11612,7 +11598,7 @@
                 </a:tc>
                 <a:extLst>
                   <a:ext uri="{0D108BD9-81ED-4DB2-BD59-A6C34878D82A}">
-                    <a16:rowId xmlns:a16="http://schemas.microsoft.com/office/drawing/2014/main" val="10002"/>
+                    <a16:rowId xmlns:a16="http://schemas.microsoft.com/office/drawing/2014/main" xmlns="" val="10002"/>
                   </a:ext>
                 </a:extLst>
               </a:tr>
@@ -11798,7 +11784,7 @@
                 <a:gridCol w="2016125">
                   <a:extLst>
                     <a:ext uri="{9D8B030D-6E8A-4147-A177-3AD203B41FA5}">
-                      <a16:colId xmlns:a16="http://schemas.microsoft.com/office/drawing/2014/main" val="20000"/>
+                      <a16:colId xmlns:a16="http://schemas.microsoft.com/office/drawing/2014/main" xmlns="" val="20000"/>
                     </a:ext>
                   </a:extLst>
                 </a:gridCol>
@@ -11902,7 +11888,7 @@
                 </a:tc>
                 <a:extLst>
                   <a:ext uri="{0D108BD9-81ED-4DB2-BD59-A6C34878D82A}">
-                    <a16:rowId xmlns:a16="http://schemas.microsoft.com/office/drawing/2014/main" val="10000"/>
+                    <a16:rowId xmlns:a16="http://schemas.microsoft.com/office/drawing/2014/main" xmlns="" val="10000"/>
                   </a:ext>
                 </a:extLst>
               </a:tr>
@@ -12157,7 +12143,7 @@
           <p:cNvPr id="24" name="직사각형 21">
             <a:extLst>
               <a:ext uri="{FF2B5EF4-FFF2-40B4-BE49-F238E27FC236}">
-                <a16:creationId xmlns:a16="http://schemas.microsoft.com/office/drawing/2014/main" id="{01E579C6-86B2-4032-936C-3B4B559C30BD}"/>
+                <a16:creationId xmlns:a16="http://schemas.microsoft.com/office/drawing/2014/main" xmlns="" id="{01E579C6-86B2-4032-936C-3B4B559C30BD}"/>
               </a:ext>
             </a:extLst>
           </p:cNvPr>
@@ -12223,7 +12209,7 @@
           <p:cNvPr id="25" name="TextBox 7">
             <a:extLst>
               <a:ext uri="{FF2B5EF4-FFF2-40B4-BE49-F238E27FC236}">
-                <a16:creationId xmlns:a16="http://schemas.microsoft.com/office/drawing/2014/main" id="{9D894E2D-CF36-41D3-A5D6-224630B70869}"/>
+                <a16:creationId xmlns:a16="http://schemas.microsoft.com/office/drawing/2014/main" xmlns="" id="{9D894E2D-CF36-41D3-A5D6-224630B70869}"/>
               </a:ext>
             </a:extLst>
           </p:cNvPr>
@@ -12267,7 +12253,7 @@
           <p:cNvPr id="29" name="TextBox 8">
             <a:extLst>
               <a:ext uri="{FF2B5EF4-FFF2-40B4-BE49-F238E27FC236}">
-                <a16:creationId xmlns:a16="http://schemas.microsoft.com/office/drawing/2014/main" id="{FCD87138-2B90-489D-AAC2-BF1026861C96}"/>
+                <a16:creationId xmlns:a16="http://schemas.microsoft.com/office/drawing/2014/main" xmlns="" id="{FCD87138-2B90-489D-AAC2-BF1026861C96}"/>
               </a:ext>
             </a:extLst>
           </p:cNvPr>
@@ -12318,7 +12304,7 @@
           <p:cNvPr id="30" name="TextBox 9">
             <a:extLst>
               <a:ext uri="{FF2B5EF4-FFF2-40B4-BE49-F238E27FC236}">
-                <a16:creationId xmlns:a16="http://schemas.microsoft.com/office/drawing/2014/main" id="{DE9DFC88-2B1B-4AB7-BBE5-A7F222795F15}"/>
+                <a16:creationId xmlns:a16="http://schemas.microsoft.com/office/drawing/2014/main" xmlns="" id="{DE9DFC88-2B1B-4AB7-BBE5-A7F222795F15}"/>
               </a:ext>
             </a:extLst>
           </p:cNvPr>
@@ -12686,7 +12672,7 @@
           <p:cNvPr id="6" name="그림 5">
             <a:extLst>
               <a:ext uri="{FF2B5EF4-FFF2-40B4-BE49-F238E27FC236}">
-                <a16:creationId xmlns:a16="http://schemas.microsoft.com/office/drawing/2014/main" id="{9FE0DC42-ED66-4966-86E2-03383542B9BE}"/>
+                <a16:creationId xmlns:a16="http://schemas.microsoft.com/office/drawing/2014/main" xmlns="" id="{9FE0DC42-ED66-4966-86E2-03383542B9BE}"/>
               </a:ext>
             </a:extLst>
           </p:cNvPr>
@@ -12780,7 +12766,7 @@
                 <a:gridCol w="2016125">
                   <a:extLst>
                     <a:ext uri="{9D8B030D-6E8A-4147-A177-3AD203B41FA5}">
-                      <a16:colId xmlns:a16="http://schemas.microsoft.com/office/drawing/2014/main" val="20000"/>
+                      <a16:colId xmlns:a16="http://schemas.microsoft.com/office/drawing/2014/main" xmlns="" val="20000"/>
                     </a:ext>
                   </a:extLst>
                 </a:gridCol>
@@ -12884,7 +12870,7 @@
                 </a:tc>
                 <a:extLst>
                   <a:ext uri="{0D108BD9-81ED-4DB2-BD59-A6C34878D82A}">
-                    <a16:rowId xmlns:a16="http://schemas.microsoft.com/office/drawing/2014/main" val="10000"/>
+                    <a16:rowId xmlns:a16="http://schemas.microsoft.com/office/drawing/2014/main" xmlns="" val="10000"/>
                   </a:ext>
                 </a:extLst>
               </a:tr>
@@ -14843,7 +14829,7 @@
           <p:cNvPr id="43" name="직사각형 21">
             <a:extLst>
               <a:ext uri="{FF2B5EF4-FFF2-40B4-BE49-F238E27FC236}">
-                <a16:creationId xmlns:a16="http://schemas.microsoft.com/office/drawing/2014/main" id="{FFA0C2D7-39ED-4D1E-B65B-B329FAE71759}"/>
+                <a16:creationId xmlns:a16="http://schemas.microsoft.com/office/drawing/2014/main" xmlns="" id="{FFA0C2D7-39ED-4D1E-B65B-B329FAE71759}"/>
               </a:ext>
             </a:extLst>
           </p:cNvPr>
@@ -14909,7 +14895,7 @@
           <p:cNvPr id="46" name="TextBox 7">
             <a:extLst>
               <a:ext uri="{FF2B5EF4-FFF2-40B4-BE49-F238E27FC236}">
-                <a16:creationId xmlns:a16="http://schemas.microsoft.com/office/drawing/2014/main" id="{40DB16E9-B1BE-4155-9ED0-00461D09F2A4}"/>
+                <a16:creationId xmlns:a16="http://schemas.microsoft.com/office/drawing/2014/main" xmlns="" id="{40DB16E9-B1BE-4155-9ED0-00461D09F2A4}"/>
               </a:ext>
             </a:extLst>
           </p:cNvPr>
@@ -14953,7 +14939,7 @@
           <p:cNvPr id="61" name="TextBox 8">
             <a:extLst>
               <a:ext uri="{FF2B5EF4-FFF2-40B4-BE49-F238E27FC236}">
-                <a16:creationId xmlns:a16="http://schemas.microsoft.com/office/drawing/2014/main" id="{8A411B03-6D43-479F-ABE4-A887CD1D40C0}"/>
+                <a16:creationId xmlns:a16="http://schemas.microsoft.com/office/drawing/2014/main" xmlns="" id="{8A411B03-6D43-479F-ABE4-A887CD1D40C0}"/>
               </a:ext>
             </a:extLst>
           </p:cNvPr>
@@ -15004,7 +14990,7 @@
           <p:cNvPr id="67" name="TextBox 9">
             <a:extLst>
               <a:ext uri="{FF2B5EF4-FFF2-40B4-BE49-F238E27FC236}">
-                <a16:creationId xmlns:a16="http://schemas.microsoft.com/office/drawing/2014/main" id="{919B4082-6AFB-4C71-BF5D-345A5EB3DAC8}"/>
+                <a16:creationId xmlns:a16="http://schemas.microsoft.com/office/drawing/2014/main" xmlns="" id="{919B4082-6AFB-4C71-BF5D-345A5EB3DAC8}"/>
               </a:ext>
             </a:extLst>
           </p:cNvPr>
@@ -15066,7 +15052,7 @@
           <p:cNvPr id="68" name="Picture 3">
             <a:extLst>
               <a:ext uri="{FF2B5EF4-FFF2-40B4-BE49-F238E27FC236}">
-                <a16:creationId xmlns:a16="http://schemas.microsoft.com/office/drawing/2014/main" id="{42754353-D526-42EF-9A8F-DDA2135E0FB7}"/>
+                <a16:creationId xmlns:a16="http://schemas.microsoft.com/office/drawing/2014/main" xmlns="" id="{42754353-D526-42EF-9A8F-DDA2135E0FB7}"/>
               </a:ext>
             </a:extLst>
           </p:cNvPr>
@@ -15126,7 +15112,7 @@
           <p:cNvPr id="69" name="그룹 68">
             <a:extLst>
               <a:ext uri="{FF2B5EF4-FFF2-40B4-BE49-F238E27FC236}">
-                <a16:creationId xmlns:a16="http://schemas.microsoft.com/office/drawing/2014/main" id="{0ACB2350-E041-4B89-B137-7A2C84B8481F}"/>
+                <a16:creationId xmlns:a16="http://schemas.microsoft.com/office/drawing/2014/main" xmlns="" id="{0ACB2350-E041-4B89-B137-7A2C84B8481F}"/>
               </a:ext>
             </a:extLst>
           </p:cNvPr>
@@ -15146,7 +15132,7 @@
             <p:cNvPr id="70" name="Picture 5">
               <a:extLst>
                 <a:ext uri="{FF2B5EF4-FFF2-40B4-BE49-F238E27FC236}">
-                  <a16:creationId xmlns:a16="http://schemas.microsoft.com/office/drawing/2014/main" id="{0C9EE204-6AFF-4015-B4E4-48C576043636}"/>
+                  <a16:creationId xmlns:a16="http://schemas.microsoft.com/office/drawing/2014/main" xmlns="" id="{0C9EE204-6AFF-4015-B4E4-48C576043636}"/>
                 </a:ext>
               </a:extLst>
             </p:cNvPr>
@@ -15216,7 +15202,7 @@
             <p:cNvPr id="71" name="TextBox 96">
               <a:extLst>
                 <a:ext uri="{FF2B5EF4-FFF2-40B4-BE49-F238E27FC236}">
-                  <a16:creationId xmlns:a16="http://schemas.microsoft.com/office/drawing/2014/main" id="{DD11376B-424B-4092-B3B2-43C70EE061CD}"/>
+                  <a16:creationId xmlns:a16="http://schemas.microsoft.com/office/drawing/2014/main" xmlns="" id="{DD11376B-424B-4092-B3B2-43C70EE061CD}"/>
                 </a:ext>
               </a:extLst>
             </p:cNvPr>
@@ -15352,7 +15338,7 @@
           <p:cNvPr id="7" name="사각형: 둥근 모서리 6">
             <a:extLst>
               <a:ext uri="{FF2B5EF4-FFF2-40B4-BE49-F238E27FC236}">
-                <a16:creationId xmlns:a16="http://schemas.microsoft.com/office/drawing/2014/main" id="{0B0C4435-ECC4-467B-BA95-C7BD3DEC75D3}"/>
+                <a16:creationId xmlns:a16="http://schemas.microsoft.com/office/drawing/2014/main" xmlns="" id="{0B0C4435-ECC4-467B-BA95-C7BD3DEC75D3}"/>
               </a:ext>
             </a:extLst>
           </p:cNvPr>
@@ -15404,7 +15390,7 @@
           <p:cNvPr id="72" name="TextBox 71">
             <a:extLst>
               <a:ext uri="{FF2B5EF4-FFF2-40B4-BE49-F238E27FC236}">
-                <a16:creationId xmlns:a16="http://schemas.microsoft.com/office/drawing/2014/main" id="{3AE70FA5-2123-44AF-9CC5-871FAA9576A7}"/>
+                <a16:creationId xmlns:a16="http://schemas.microsoft.com/office/drawing/2014/main" xmlns="" id="{3AE70FA5-2123-44AF-9CC5-871FAA9576A7}"/>
               </a:ext>
             </a:extLst>
           </p:cNvPr>
@@ -15461,7 +15447,7 @@
           <p:cNvPr id="74" name="TextBox 73">
             <a:extLst>
               <a:ext uri="{FF2B5EF4-FFF2-40B4-BE49-F238E27FC236}">
-                <a16:creationId xmlns:a16="http://schemas.microsoft.com/office/drawing/2014/main" id="{F75E04F9-7E8B-4437-9192-E7BE95FB244A}"/>
+                <a16:creationId xmlns:a16="http://schemas.microsoft.com/office/drawing/2014/main" xmlns="" id="{F75E04F9-7E8B-4437-9192-E7BE95FB244A}"/>
               </a:ext>
             </a:extLst>
           </p:cNvPr>
@@ -15513,7 +15499,7 @@
           <p:cNvPr id="76" name="TextBox 75">
             <a:extLst>
               <a:ext uri="{FF2B5EF4-FFF2-40B4-BE49-F238E27FC236}">
-                <a16:creationId xmlns:a16="http://schemas.microsoft.com/office/drawing/2014/main" id="{ACBF7692-098A-420E-880A-40BEEA4DD6B3}"/>
+                <a16:creationId xmlns:a16="http://schemas.microsoft.com/office/drawing/2014/main" xmlns="" id="{ACBF7692-098A-420E-880A-40BEEA4DD6B3}"/>
               </a:ext>
             </a:extLst>
           </p:cNvPr>
@@ -15572,7 +15558,7 @@
           <p:cNvPr id="77" name="TextBox 76">
             <a:extLst>
               <a:ext uri="{FF2B5EF4-FFF2-40B4-BE49-F238E27FC236}">
-                <a16:creationId xmlns:a16="http://schemas.microsoft.com/office/drawing/2014/main" id="{92FB9156-4605-4A57-9D39-0932F8930525}"/>
+                <a16:creationId xmlns:a16="http://schemas.microsoft.com/office/drawing/2014/main" xmlns="" id="{92FB9156-4605-4A57-9D39-0932F8930525}"/>
               </a:ext>
             </a:extLst>
           </p:cNvPr>
@@ -15621,7 +15607,7 @@
           <p:cNvPr id="9" name="연결선: 꺾임 8">
             <a:extLst>
               <a:ext uri="{FF2B5EF4-FFF2-40B4-BE49-F238E27FC236}">
-                <a16:creationId xmlns:a16="http://schemas.microsoft.com/office/drawing/2014/main" id="{BE800AF3-1785-4B4E-89BD-576069BFEB6A}"/>
+                <a16:creationId xmlns:a16="http://schemas.microsoft.com/office/drawing/2014/main" xmlns="" id="{BE800AF3-1785-4B4E-89BD-576069BFEB6A}"/>
               </a:ext>
             </a:extLst>
           </p:cNvPr>
@@ -15656,7 +15642,7 @@
           <p:cNvPr id="12" name="연결선: 꺾임 11">
             <a:extLst>
               <a:ext uri="{FF2B5EF4-FFF2-40B4-BE49-F238E27FC236}">
-                <a16:creationId xmlns:a16="http://schemas.microsoft.com/office/drawing/2014/main" id="{08B1BD4C-7531-44C7-856C-11EEBC7924DE}"/>
+                <a16:creationId xmlns:a16="http://schemas.microsoft.com/office/drawing/2014/main" xmlns="" id="{08B1BD4C-7531-44C7-856C-11EEBC7924DE}"/>
               </a:ext>
             </a:extLst>
           </p:cNvPr>
@@ -15691,7 +15677,7 @@
           <p:cNvPr id="14" name="직선 화살표 연결선 13">
             <a:extLst>
               <a:ext uri="{FF2B5EF4-FFF2-40B4-BE49-F238E27FC236}">
-                <a16:creationId xmlns:a16="http://schemas.microsoft.com/office/drawing/2014/main" id="{6803D35E-5A28-4AD1-9AA7-CA44870724AD}"/>
+                <a16:creationId xmlns:a16="http://schemas.microsoft.com/office/drawing/2014/main" xmlns="" id="{6803D35E-5A28-4AD1-9AA7-CA44870724AD}"/>
               </a:ext>
             </a:extLst>
           </p:cNvPr>
@@ -15726,7 +15712,7 @@
           <p:cNvPr id="78" name="타원 77">
             <a:extLst>
               <a:ext uri="{FF2B5EF4-FFF2-40B4-BE49-F238E27FC236}">
-                <a16:creationId xmlns:a16="http://schemas.microsoft.com/office/drawing/2014/main" id="{7D49A0F5-ED0F-4075-9F57-A3F927BD541C}"/>
+                <a16:creationId xmlns:a16="http://schemas.microsoft.com/office/drawing/2014/main" xmlns="" id="{7D49A0F5-ED0F-4075-9F57-A3F927BD541C}"/>
               </a:ext>
             </a:extLst>
           </p:cNvPr>
@@ -15893,7 +15879,7 @@
                 <a:gridCol w="2016125">
                   <a:extLst>
                     <a:ext uri="{9D8B030D-6E8A-4147-A177-3AD203B41FA5}">
-                      <a16:colId xmlns:a16="http://schemas.microsoft.com/office/drawing/2014/main" val="20000"/>
+                      <a16:colId xmlns:a16="http://schemas.microsoft.com/office/drawing/2014/main" xmlns="" val="20000"/>
                     </a:ext>
                   </a:extLst>
                 </a:gridCol>
@@ -15997,7 +15983,7 @@
                 </a:tc>
                 <a:extLst>
                   <a:ext uri="{0D108BD9-81ED-4DB2-BD59-A6C34878D82A}">
-                    <a16:rowId xmlns:a16="http://schemas.microsoft.com/office/drawing/2014/main" val="10000"/>
+                    <a16:rowId xmlns:a16="http://schemas.microsoft.com/office/drawing/2014/main" xmlns="" val="10000"/>
                   </a:ext>
                 </a:extLst>
               </a:tr>
@@ -17136,7 +17122,7 @@
           <p:cNvPr id="34" name="직사각형 21">
             <a:extLst>
               <a:ext uri="{FF2B5EF4-FFF2-40B4-BE49-F238E27FC236}">
-                <a16:creationId xmlns:a16="http://schemas.microsoft.com/office/drawing/2014/main" id="{18749C88-D8DC-403C-81CD-C58F3B1CD04C}"/>
+                <a16:creationId xmlns:a16="http://schemas.microsoft.com/office/drawing/2014/main" xmlns="" id="{18749C88-D8DC-403C-81CD-C58F3B1CD04C}"/>
               </a:ext>
             </a:extLst>
           </p:cNvPr>
@@ -17202,7 +17188,7 @@
           <p:cNvPr id="35" name="TextBox 7">
             <a:extLst>
               <a:ext uri="{FF2B5EF4-FFF2-40B4-BE49-F238E27FC236}">
-                <a16:creationId xmlns:a16="http://schemas.microsoft.com/office/drawing/2014/main" id="{E301E62E-9875-42EB-9222-626767301B18}"/>
+                <a16:creationId xmlns:a16="http://schemas.microsoft.com/office/drawing/2014/main" xmlns="" id="{E301E62E-9875-42EB-9222-626767301B18}"/>
               </a:ext>
             </a:extLst>
           </p:cNvPr>
@@ -17246,7 +17232,7 @@
           <p:cNvPr id="36" name="TextBox 8">
             <a:extLst>
               <a:ext uri="{FF2B5EF4-FFF2-40B4-BE49-F238E27FC236}">
-                <a16:creationId xmlns:a16="http://schemas.microsoft.com/office/drawing/2014/main" id="{172CF93A-F439-4694-829A-24659B5539C1}"/>
+                <a16:creationId xmlns:a16="http://schemas.microsoft.com/office/drawing/2014/main" xmlns="" id="{172CF93A-F439-4694-829A-24659B5539C1}"/>
               </a:ext>
             </a:extLst>
           </p:cNvPr>
@@ -17297,7 +17283,7 @@
           <p:cNvPr id="45" name="TextBox 9">
             <a:extLst>
               <a:ext uri="{FF2B5EF4-FFF2-40B4-BE49-F238E27FC236}">
-                <a16:creationId xmlns:a16="http://schemas.microsoft.com/office/drawing/2014/main" id="{EB0600E2-0200-4530-B292-F3FEC0301A63}"/>
+                <a16:creationId xmlns:a16="http://schemas.microsoft.com/office/drawing/2014/main" xmlns="" id="{EB0600E2-0200-4530-B292-F3FEC0301A63}"/>
               </a:ext>
             </a:extLst>
           </p:cNvPr>
@@ -17359,7 +17345,7 @@
           <p:cNvPr id="47" name="그림 46">
             <a:extLst>
               <a:ext uri="{FF2B5EF4-FFF2-40B4-BE49-F238E27FC236}">
-                <a16:creationId xmlns:a16="http://schemas.microsoft.com/office/drawing/2014/main" id="{B7063799-3742-48D8-B351-ABD04FD08017}"/>
+                <a16:creationId xmlns:a16="http://schemas.microsoft.com/office/drawing/2014/main" xmlns="" id="{B7063799-3742-48D8-B351-ABD04FD08017}"/>
               </a:ext>
             </a:extLst>
           </p:cNvPr>
@@ -17389,7 +17375,7 @@
           <p:cNvPr id="8" name="사각형: 둥근 모서리 7">
             <a:extLst>
               <a:ext uri="{FF2B5EF4-FFF2-40B4-BE49-F238E27FC236}">
-                <a16:creationId xmlns:a16="http://schemas.microsoft.com/office/drawing/2014/main" id="{A4316084-CFC4-4224-BB6A-32988E566189}"/>
+                <a16:creationId xmlns:a16="http://schemas.microsoft.com/office/drawing/2014/main" xmlns="" id="{A4316084-CFC4-4224-BB6A-32988E566189}"/>
               </a:ext>
             </a:extLst>
           </p:cNvPr>
@@ -17438,7 +17424,7 @@
           <p:cNvPr id="57" name="사각형: 둥근 모서리 56">
             <a:extLst>
               <a:ext uri="{FF2B5EF4-FFF2-40B4-BE49-F238E27FC236}">
-                <a16:creationId xmlns:a16="http://schemas.microsoft.com/office/drawing/2014/main" id="{6D1E6CFC-790C-446E-A1AE-576E67369E50}"/>
+                <a16:creationId xmlns:a16="http://schemas.microsoft.com/office/drawing/2014/main" xmlns="" id="{6D1E6CFC-790C-446E-A1AE-576E67369E50}"/>
               </a:ext>
             </a:extLst>
           </p:cNvPr>
@@ -17487,7 +17473,7 @@
           <p:cNvPr id="60" name="사각형: 둥근 모서리 59">
             <a:extLst>
               <a:ext uri="{FF2B5EF4-FFF2-40B4-BE49-F238E27FC236}">
-                <a16:creationId xmlns:a16="http://schemas.microsoft.com/office/drawing/2014/main" id="{8E552685-0F62-43E2-8E0C-12DF2FBD5992}"/>
+                <a16:creationId xmlns:a16="http://schemas.microsoft.com/office/drawing/2014/main" xmlns="" id="{8E552685-0F62-43E2-8E0C-12DF2FBD5992}"/>
               </a:ext>
             </a:extLst>
           </p:cNvPr>
@@ -17536,7 +17522,7 @@
           <p:cNvPr id="62" name="사각형: 둥근 모서리 61">
             <a:extLst>
               <a:ext uri="{FF2B5EF4-FFF2-40B4-BE49-F238E27FC236}">
-                <a16:creationId xmlns:a16="http://schemas.microsoft.com/office/drawing/2014/main" id="{1C415137-47FC-439A-8691-6596BFAD0A3B}"/>
+                <a16:creationId xmlns:a16="http://schemas.microsoft.com/office/drawing/2014/main" xmlns="" id="{1C415137-47FC-439A-8691-6596BFAD0A3B}"/>
               </a:ext>
             </a:extLst>
           </p:cNvPr>
@@ -17585,7 +17571,7 @@
           <p:cNvPr id="63" name="Picture 31">
             <a:extLst>
               <a:ext uri="{FF2B5EF4-FFF2-40B4-BE49-F238E27FC236}">
-                <a16:creationId xmlns:a16="http://schemas.microsoft.com/office/drawing/2014/main" id="{C9BECAFA-D8A6-4D37-A072-D6F9C0CA3E5B}"/>
+                <a16:creationId xmlns:a16="http://schemas.microsoft.com/office/drawing/2014/main" xmlns="" id="{C9BECAFA-D8A6-4D37-A072-D6F9C0CA3E5B}"/>
               </a:ext>
             </a:extLst>
           </p:cNvPr>
@@ -17655,7 +17641,7 @@
           <p:cNvPr id="64" name="사각형: 둥근 모서리 63">
             <a:extLst>
               <a:ext uri="{FF2B5EF4-FFF2-40B4-BE49-F238E27FC236}">
-                <a16:creationId xmlns:a16="http://schemas.microsoft.com/office/drawing/2014/main" id="{141C33C0-143B-4ED1-8464-1768958F8354}"/>
+                <a16:creationId xmlns:a16="http://schemas.microsoft.com/office/drawing/2014/main" xmlns="" id="{141C33C0-143B-4ED1-8464-1768958F8354}"/>
               </a:ext>
             </a:extLst>
           </p:cNvPr>
@@ -17710,7 +17696,7 @@
           <p:cNvPr id="9" name="TextBox 8">
             <a:extLst>
               <a:ext uri="{FF2B5EF4-FFF2-40B4-BE49-F238E27FC236}">
-                <a16:creationId xmlns:a16="http://schemas.microsoft.com/office/drawing/2014/main" id="{490CED88-8060-4055-945E-DB2EB4DFA679}"/>
+                <a16:creationId xmlns:a16="http://schemas.microsoft.com/office/drawing/2014/main" xmlns="" id="{490CED88-8060-4055-945E-DB2EB4DFA679}"/>
               </a:ext>
             </a:extLst>
           </p:cNvPr>
@@ -17736,27 +17722,23 @@
             <a:r>
               <a:rPr lang="en-US" altLang="ko-KR" sz="1800" dirty="0">
                 <a:latin typeface="+mn-ea"/>
-                <a:ea typeface="+mn-ea"/>
               </a:rPr>
               <a:t>6×4</a:t>
             </a:r>
             <a:r>
               <a:rPr lang="ko-KR" altLang="en-US" sz="1800" dirty="0">
                 <a:latin typeface="+mn-ea"/>
-                <a:ea typeface="+mn-ea"/>
               </a:rPr>
               <a:t>＝</a:t>
             </a:r>
             <a:r>
               <a:rPr lang="en-US" altLang="ko-KR" sz="1800" dirty="0">
                 <a:latin typeface="+mn-ea"/>
-                <a:ea typeface="+mn-ea"/>
               </a:rPr>
               <a:t>24</a:t>
             </a:r>
             <a:endParaRPr lang="ko-KR" altLang="en-US" sz="1800" dirty="0">
               <a:latin typeface="+mn-ea"/>
-              <a:ea typeface="+mn-ea"/>
             </a:endParaRPr>
           </a:p>
         </p:txBody>
@@ -17766,7 +17748,7 @@
           <p:cNvPr id="72" name="Picture 31">
             <a:extLst>
               <a:ext uri="{FF2B5EF4-FFF2-40B4-BE49-F238E27FC236}">
-                <a16:creationId xmlns:a16="http://schemas.microsoft.com/office/drawing/2014/main" id="{389DA4AC-7122-4F39-A4D2-0C75F6CDE083}"/>
+                <a16:creationId xmlns:a16="http://schemas.microsoft.com/office/drawing/2014/main" xmlns="" id="{389DA4AC-7122-4F39-A4D2-0C75F6CDE083}"/>
               </a:ext>
             </a:extLst>
           </p:cNvPr>
@@ -17836,7 +17818,7 @@
           <p:cNvPr id="73" name="사각형: 둥근 모서리 72">
             <a:extLst>
               <a:ext uri="{FF2B5EF4-FFF2-40B4-BE49-F238E27FC236}">
-                <a16:creationId xmlns:a16="http://schemas.microsoft.com/office/drawing/2014/main" id="{A2461E04-4EB1-4698-B03A-CC9C7C31F0ED}"/>
+                <a16:creationId xmlns:a16="http://schemas.microsoft.com/office/drawing/2014/main" xmlns="" id="{A2461E04-4EB1-4698-B03A-CC9C7C31F0ED}"/>
               </a:ext>
             </a:extLst>
           </p:cNvPr>
@@ -17891,7 +17873,7 @@
           <p:cNvPr id="75" name="사각형: 둥근 모서리 74">
             <a:extLst>
               <a:ext uri="{FF2B5EF4-FFF2-40B4-BE49-F238E27FC236}">
-                <a16:creationId xmlns:a16="http://schemas.microsoft.com/office/drawing/2014/main" id="{20E725F7-A497-4EA5-B1F0-45D54DC3583F}"/>
+                <a16:creationId xmlns:a16="http://schemas.microsoft.com/office/drawing/2014/main" xmlns="" id="{20E725F7-A497-4EA5-B1F0-45D54DC3583F}"/>
               </a:ext>
             </a:extLst>
           </p:cNvPr>
@@ -17940,7 +17922,7 @@
           <p:cNvPr id="76" name="사각형: 둥근 모서리 75">
             <a:extLst>
               <a:ext uri="{FF2B5EF4-FFF2-40B4-BE49-F238E27FC236}">
-                <a16:creationId xmlns:a16="http://schemas.microsoft.com/office/drawing/2014/main" id="{6312D67B-9029-46B1-89EC-09142D8B4AC4}"/>
+                <a16:creationId xmlns:a16="http://schemas.microsoft.com/office/drawing/2014/main" xmlns="" id="{6312D67B-9029-46B1-89EC-09142D8B4AC4}"/>
               </a:ext>
             </a:extLst>
           </p:cNvPr>
@@ -17989,7 +17971,7 @@
           <p:cNvPr id="77" name="사각형: 둥근 모서리 76">
             <a:extLst>
               <a:ext uri="{FF2B5EF4-FFF2-40B4-BE49-F238E27FC236}">
-                <a16:creationId xmlns:a16="http://schemas.microsoft.com/office/drawing/2014/main" id="{6889C38D-7843-47FB-A968-B51E24840A1C}"/>
+                <a16:creationId xmlns:a16="http://schemas.microsoft.com/office/drawing/2014/main" xmlns="" id="{6889C38D-7843-47FB-A968-B51E24840A1C}"/>
               </a:ext>
             </a:extLst>
           </p:cNvPr>
@@ -18038,7 +18020,7 @@
           <p:cNvPr id="79" name="TextBox 78">
             <a:extLst>
               <a:ext uri="{FF2B5EF4-FFF2-40B4-BE49-F238E27FC236}">
-                <a16:creationId xmlns:a16="http://schemas.microsoft.com/office/drawing/2014/main" id="{204B4087-850F-46FC-9D96-4E21A4551D6B}"/>
+                <a16:creationId xmlns:a16="http://schemas.microsoft.com/office/drawing/2014/main" xmlns="" id="{204B4087-850F-46FC-9D96-4E21A4551D6B}"/>
               </a:ext>
             </a:extLst>
           </p:cNvPr>
@@ -18094,7 +18076,7 @@
           <p:cNvPr id="81" name="TextBox 80">
             <a:extLst>
               <a:ext uri="{FF2B5EF4-FFF2-40B4-BE49-F238E27FC236}">
-                <a16:creationId xmlns:a16="http://schemas.microsoft.com/office/drawing/2014/main" id="{705AF66E-2846-40D7-980A-7B5F58D7F553}"/>
+                <a16:creationId xmlns:a16="http://schemas.microsoft.com/office/drawing/2014/main" xmlns="" id="{705AF66E-2846-40D7-980A-7B5F58D7F553}"/>
               </a:ext>
             </a:extLst>
           </p:cNvPr>
@@ -18156,7 +18138,7 @@
           <p:cNvPr id="83" name="TextBox 82">
             <a:extLst>
               <a:ext uri="{FF2B5EF4-FFF2-40B4-BE49-F238E27FC236}">
-                <a16:creationId xmlns:a16="http://schemas.microsoft.com/office/drawing/2014/main" id="{D8F00BF2-FBDC-404E-9341-14F27CDEB610}"/>
+                <a16:creationId xmlns:a16="http://schemas.microsoft.com/office/drawing/2014/main" xmlns="" id="{D8F00BF2-FBDC-404E-9341-14F27CDEB610}"/>
               </a:ext>
             </a:extLst>
           </p:cNvPr>
@@ -18236,7 +18218,7 @@
           <p:cNvPr id="68" name="사각형: 둥근 모서리 76">
             <a:extLst>
               <a:ext uri="{FF2B5EF4-FFF2-40B4-BE49-F238E27FC236}">
-                <a16:creationId xmlns:a16="http://schemas.microsoft.com/office/drawing/2014/main" id="{6889C38D-7843-47FB-A968-B51E24840A1C}"/>
+                <a16:creationId xmlns:a16="http://schemas.microsoft.com/office/drawing/2014/main" xmlns="" id="{6889C38D-7843-47FB-A968-B51E24840A1C}"/>
               </a:ext>
             </a:extLst>
           </p:cNvPr>
@@ -18566,7 +18548,7 @@
           <a:p>
             <a:pPr algn="ctr"/>
             <a:r>
-              <a:rPr lang="ko-KR" altLang="en-US" sz="1900" smtClean="0">
+              <a:rPr lang="ko-KR" altLang="en-US" sz="1900" dirty="0" smtClean="0">
                 <a:solidFill>
                   <a:schemeClr val="tx1"/>
                 </a:solidFill>
@@ -18875,7 +18857,7 @@
           <p:cNvPr id="56" name="Picture 12">
             <a:extLst>
               <a:ext uri="{FF2B5EF4-FFF2-40B4-BE49-F238E27FC236}">
-                <a16:creationId xmlns:a16="http://schemas.microsoft.com/office/drawing/2014/main" id="{005BA40D-5121-496C-BBD4-165DA7E6FF1C}"/>
+                <a16:creationId xmlns:a16="http://schemas.microsoft.com/office/drawing/2014/main" xmlns="" id="{005BA40D-5121-496C-BBD4-165DA7E6FF1C}"/>
               </a:ext>
             </a:extLst>
           </p:cNvPr>
@@ -19009,7 +18991,7 @@
                 <a:gridCol w="2016125">
                   <a:extLst>
                     <a:ext uri="{9D8B030D-6E8A-4147-A177-3AD203B41FA5}">
-                      <a16:colId xmlns:a16="http://schemas.microsoft.com/office/drawing/2014/main" val="20000"/>
+                      <a16:colId xmlns:a16="http://schemas.microsoft.com/office/drawing/2014/main" xmlns="" val="20000"/>
                     </a:ext>
                   </a:extLst>
                 </a:gridCol>
@@ -19113,7 +19095,7 @@
                 </a:tc>
                 <a:extLst>
                   <a:ext uri="{0D108BD9-81ED-4DB2-BD59-A6C34878D82A}">
-                    <a16:rowId xmlns:a16="http://schemas.microsoft.com/office/drawing/2014/main" val="10000"/>
+                    <a16:rowId xmlns:a16="http://schemas.microsoft.com/office/drawing/2014/main" xmlns="" val="10000"/>
                   </a:ext>
                 </a:extLst>
               </a:tr>
@@ -20479,7 +20461,7 @@
           <p:cNvPr id="33" name="직사각형 21">
             <a:extLst>
               <a:ext uri="{FF2B5EF4-FFF2-40B4-BE49-F238E27FC236}">
-                <a16:creationId xmlns:a16="http://schemas.microsoft.com/office/drawing/2014/main" id="{93EAD149-784D-4A44-A2B5-EBC7293F9930}"/>
+                <a16:creationId xmlns:a16="http://schemas.microsoft.com/office/drawing/2014/main" xmlns="" id="{93EAD149-784D-4A44-A2B5-EBC7293F9930}"/>
               </a:ext>
             </a:extLst>
           </p:cNvPr>
@@ -20545,7 +20527,7 @@
           <p:cNvPr id="34" name="TextBox 7">
             <a:extLst>
               <a:ext uri="{FF2B5EF4-FFF2-40B4-BE49-F238E27FC236}">
-                <a16:creationId xmlns:a16="http://schemas.microsoft.com/office/drawing/2014/main" id="{7349ADA2-AEBF-4322-94F8-C2154F0A1CB9}"/>
+                <a16:creationId xmlns:a16="http://schemas.microsoft.com/office/drawing/2014/main" xmlns="" id="{7349ADA2-AEBF-4322-94F8-C2154F0A1CB9}"/>
               </a:ext>
             </a:extLst>
           </p:cNvPr>
@@ -20589,7 +20571,7 @@
           <p:cNvPr id="35" name="TextBox 8">
             <a:extLst>
               <a:ext uri="{FF2B5EF4-FFF2-40B4-BE49-F238E27FC236}">
-                <a16:creationId xmlns:a16="http://schemas.microsoft.com/office/drawing/2014/main" id="{7863B5AF-53CC-4033-953B-73CCAA5690CF}"/>
+                <a16:creationId xmlns:a16="http://schemas.microsoft.com/office/drawing/2014/main" xmlns="" id="{7863B5AF-53CC-4033-953B-73CCAA5690CF}"/>
               </a:ext>
             </a:extLst>
           </p:cNvPr>
@@ -20640,7 +20622,7 @@
           <p:cNvPr id="36" name="TextBox 9">
             <a:extLst>
               <a:ext uri="{FF2B5EF4-FFF2-40B4-BE49-F238E27FC236}">
-                <a16:creationId xmlns:a16="http://schemas.microsoft.com/office/drawing/2014/main" id="{ACFCC851-86CD-45D9-9CC0-96B187D538EF}"/>
+                <a16:creationId xmlns:a16="http://schemas.microsoft.com/office/drawing/2014/main" xmlns="" id="{ACFCC851-86CD-45D9-9CC0-96B187D538EF}"/>
               </a:ext>
             </a:extLst>
           </p:cNvPr>
@@ -20702,7 +20684,7 @@
           <p:cNvPr id="45" name="그림 44">
             <a:extLst>
               <a:ext uri="{FF2B5EF4-FFF2-40B4-BE49-F238E27FC236}">
-                <a16:creationId xmlns:a16="http://schemas.microsoft.com/office/drawing/2014/main" id="{1CB0469B-BF12-4F01-9A70-508C8EA1A26B}"/>
+                <a16:creationId xmlns:a16="http://schemas.microsoft.com/office/drawing/2014/main" xmlns="" id="{1CB0469B-BF12-4F01-9A70-508C8EA1A26B}"/>
               </a:ext>
             </a:extLst>
           </p:cNvPr>
@@ -20732,7 +20714,7 @@
           <p:cNvPr id="6" name="직사각형 5">
             <a:extLst>
               <a:ext uri="{FF2B5EF4-FFF2-40B4-BE49-F238E27FC236}">
-                <a16:creationId xmlns:a16="http://schemas.microsoft.com/office/drawing/2014/main" id="{9DAC36E6-E76F-4608-BAEC-BF721B347252}"/>
+                <a16:creationId xmlns:a16="http://schemas.microsoft.com/office/drawing/2014/main" xmlns="" id="{9DAC36E6-E76F-4608-BAEC-BF721B347252}"/>
               </a:ext>
             </a:extLst>
           </p:cNvPr>
@@ -20793,7 +20775,7 @@
           <p:cNvPr id="8" name="직사각형 7">
             <a:extLst>
               <a:ext uri="{FF2B5EF4-FFF2-40B4-BE49-F238E27FC236}">
-                <a16:creationId xmlns:a16="http://schemas.microsoft.com/office/drawing/2014/main" id="{E920F5DA-18DA-4A2D-B975-C69FA1C840A9}"/>
+                <a16:creationId xmlns:a16="http://schemas.microsoft.com/office/drawing/2014/main" xmlns="" id="{E920F5DA-18DA-4A2D-B975-C69FA1C840A9}"/>
               </a:ext>
             </a:extLst>
           </p:cNvPr>
@@ -20834,7 +20816,7 @@
           <p:cNvPr id="47" name="Picture 12">
             <a:extLst>
               <a:ext uri="{FF2B5EF4-FFF2-40B4-BE49-F238E27FC236}">
-                <a16:creationId xmlns:a16="http://schemas.microsoft.com/office/drawing/2014/main" id="{1494F90E-77F3-4BD0-80C7-F7BD2CF56A2B}"/>
+                <a16:creationId xmlns:a16="http://schemas.microsoft.com/office/drawing/2014/main" xmlns="" id="{1494F90E-77F3-4BD0-80C7-F7BD2CF56A2B}"/>
               </a:ext>
             </a:extLst>
           </p:cNvPr>
@@ -20904,7 +20886,7 @@
           <p:cNvPr id="53" name="Picture 12">
             <a:extLst>
               <a:ext uri="{FF2B5EF4-FFF2-40B4-BE49-F238E27FC236}">
-                <a16:creationId xmlns:a16="http://schemas.microsoft.com/office/drawing/2014/main" id="{F0C9A7DF-EF8D-4321-B50D-DCD9D3D930F4}"/>
+                <a16:creationId xmlns:a16="http://schemas.microsoft.com/office/drawing/2014/main" xmlns="" id="{F0C9A7DF-EF8D-4321-B50D-DCD9D3D930F4}"/>
               </a:ext>
             </a:extLst>
           </p:cNvPr>
@@ -20974,7 +20956,7 @@
           <p:cNvPr id="10" name="직사각형 9">
             <a:extLst>
               <a:ext uri="{FF2B5EF4-FFF2-40B4-BE49-F238E27FC236}">
-                <a16:creationId xmlns:a16="http://schemas.microsoft.com/office/drawing/2014/main" id="{818532D9-8E49-4E97-956C-1A80DFE685BF}"/>
+                <a16:creationId xmlns:a16="http://schemas.microsoft.com/office/drawing/2014/main" xmlns="" id="{818532D9-8E49-4E97-956C-1A80DFE685BF}"/>
               </a:ext>
             </a:extLst>
           </p:cNvPr>
@@ -21025,7 +21007,7 @@
           <p:cNvPr id="12" name="직선 화살표 연결선 11">
             <a:extLst>
               <a:ext uri="{FF2B5EF4-FFF2-40B4-BE49-F238E27FC236}">
-                <a16:creationId xmlns:a16="http://schemas.microsoft.com/office/drawing/2014/main" id="{6767A060-B67F-47D8-B7E9-429628521758}"/>
+                <a16:creationId xmlns:a16="http://schemas.microsoft.com/office/drawing/2014/main" xmlns="" id="{6767A060-B67F-47D8-B7E9-429628521758}"/>
               </a:ext>
             </a:extLst>
           </p:cNvPr>
@@ -21058,7 +21040,7 @@
           <p:cNvPr id="14" name="직선 화살표 연결선 13">
             <a:extLst>
               <a:ext uri="{FF2B5EF4-FFF2-40B4-BE49-F238E27FC236}">
-                <a16:creationId xmlns:a16="http://schemas.microsoft.com/office/drawing/2014/main" id="{9AA5A937-0313-4CDC-BC54-A3A5B2782E17}"/>
+                <a16:creationId xmlns:a16="http://schemas.microsoft.com/office/drawing/2014/main" xmlns="" id="{9AA5A937-0313-4CDC-BC54-A3A5B2782E17}"/>
               </a:ext>
             </a:extLst>
           </p:cNvPr>
@@ -21091,7 +21073,7 @@
           <p:cNvPr id="57" name="타원 56">
             <a:extLst>
               <a:ext uri="{FF2B5EF4-FFF2-40B4-BE49-F238E27FC236}">
-                <a16:creationId xmlns:a16="http://schemas.microsoft.com/office/drawing/2014/main" id="{10AD41EC-7E6A-48B2-9857-E4DC20B5169E}"/>
+                <a16:creationId xmlns:a16="http://schemas.microsoft.com/office/drawing/2014/main" xmlns="" id="{10AD41EC-7E6A-48B2-9857-E4DC20B5169E}"/>
               </a:ext>
             </a:extLst>
           </p:cNvPr>
@@ -21164,7 +21146,7 @@
           <p:cNvPr id="58" name="TextBox 57">
             <a:extLst>
               <a:ext uri="{FF2B5EF4-FFF2-40B4-BE49-F238E27FC236}">
-                <a16:creationId xmlns:a16="http://schemas.microsoft.com/office/drawing/2014/main" id="{97D87ACC-F110-408C-B82D-7FBDA13C25BF}"/>
+                <a16:creationId xmlns:a16="http://schemas.microsoft.com/office/drawing/2014/main" xmlns="" id="{97D87ACC-F110-408C-B82D-7FBDA13C25BF}"/>
               </a:ext>
             </a:extLst>
           </p:cNvPr>
@@ -21287,7 +21269,7 @@
           <p:cNvPr id="49" name="타원 48">
             <a:extLst>
               <a:ext uri="{FF2B5EF4-FFF2-40B4-BE49-F238E27FC236}">
-                <a16:creationId xmlns:a16="http://schemas.microsoft.com/office/drawing/2014/main" id="{10AD41EC-7E6A-48B2-9857-E4DC20B5169E}"/>
+                <a16:creationId xmlns:a16="http://schemas.microsoft.com/office/drawing/2014/main" xmlns="" id="{10AD41EC-7E6A-48B2-9857-E4DC20B5169E}"/>
               </a:ext>
             </a:extLst>
           </p:cNvPr>
@@ -21446,7 +21428,7 @@
                 <a:gridCol w="2016125">
                   <a:extLst>
                     <a:ext uri="{9D8B030D-6E8A-4147-A177-3AD203B41FA5}">
-                      <a16:colId xmlns:a16="http://schemas.microsoft.com/office/drawing/2014/main" val="20000"/>
+                      <a16:colId xmlns:a16="http://schemas.microsoft.com/office/drawing/2014/main" xmlns="" val="20000"/>
                     </a:ext>
                   </a:extLst>
                 </a:gridCol>
@@ -21550,7 +21532,7 @@
                 </a:tc>
                 <a:extLst>
                   <a:ext uri="{0D108BD9-81ED-4DB2-BD59-A6C34878D82A}">
-                    <a16:rowId xmlns:a16="http://schemas.microsoft.com/office/drawing/2014/main" val="10000"/>
+                    <a16:rowId xmlns:a16="http://schemas.microsoft.com/office/drawing/2014/main" xmlns="" val="10000"/>
                   </a:ext>
                 </a:extLst>
               </a:tr>
@@ -22058,7 +22040,7 @@
           <p:cNvPr id="15" name="직사각형 21">
             <a:extLst>
               <a:ext uri="{FF2B5EF4-FFF2-40B4-BE49-F238E27FC236}">
-                <a16:creationId xmlns:a16="http://schemas.microsoft.com/office/drawing/2014/main" id="{8E9FB72D-2A59-4BF1-8546-47AD4B18A2CB}"/>
+                <a16:creationId xmlns:a16="http://schemas.microsoft.com/office/drawing/2014/main" xmlns="" id="{8E9FB72D-2A59-4BF1-8546-47AD4B18A2CB}"/>
               </a:ext>
             </a:extLst>
           </p:cNvPr>
@@ -22124,7 +22106,7 @@
           <p:cNvPr id="16" name="TextBox 7">
             <a:extLst>
               <a:ext uri="{FF2B5EF4-FFF2-40B4-BE49-F238E27FC236}">
-                <a16:creationId xmlns:a16="http://schemas.microsoft.com/office/drawing/2014/main" id="{58A2CD4B-DA2B-4269-97C4-AA4D9AEDDDE1}"/>
+                <a16:creationId xmlns:a16="http://schemas.microsoft.com/office/drawing/2014/main" xmlns="" id="{58A2CD4B-DA2B-4269-97C4-AA4D9AEDDDE1}"/>
               </a:ext>
             </a:extLst>
           </p:cNvPr>
@@ -22168,7 +22150,7 @@
           <p:cNvPr id="18" name="TextBox 8">
             <a:extLst>
               <a:ext uri="{FF2B5EF4-FFF2-40B4-BE49-F238E27FC236}">
-                <a16:creationId xmlns:a16="http://schemas.microsoft.com/office/drawing/2014/main" id="{621A9AFE-3AA0-4DF5-96B3-31EDA8A189C6}"/>
+                <a16:creationId xmlns:a16="http://schemas.microsoft.com/office/drawing/2014/main" xmlns="" id="{621A9AFE-3AA0-4DF5-96B3-31EDA8A189C6}"/>
               </a:ext>
             </a:extLst>
           </p:cNvPr>
@@ -22219,7 +22201,7 @@
           <p:cNvPr id="22" name="TextBox 9">
             <a:extLst>
               <a:ext uri="{FF2B5EF4-FFF2-40B4-BE49-F238E27FC236}">
-                <a16:creationId xmlns:a16="http://schemas.microsoft.com/office/drawing/2014/main" id="{5BE6F58E-3978-4849-B8CB-F34AC1A52660}"/>
+                <a16:creationId xmlns:a16="http://schemas.microsoft.com/office/drawing/2014/main" xmlns="" id="{5BE6F58E-3978-4849-B8CB-F34AC1A52660}"/>
               </a:ext>
             </a:extLst>
           </p:cNvPr>
@@ -22380,7 +22362,7 @@
                 <a:gridCol w="2016125">
                   <a:extLst>
                     <a:ext uri="{9D8B030D-6E8A-4147-A177-3AD203B41FA5}">
-                      <a16:colId xmlns:a16="http://schemas.microsoft.com/office/drawing/2014/main" val="20000"/>
+                      <a16:colId xmlns:a16="http://schemas.microsoft.com/office/drawing/2014/main" xmlns="" val="20000"/>
                     </a:ext>
                   </a:extLst>
                 </a:gridCol>
@@ -22484,7 +22466,7 @@
                 </a:tc>
                 <a:extLst>
                   <a:ext uri="{0D108BD9-81ED-4DB2-BD59-A6C34878D82A}">
-                    <a16:rowId xmlns:a16="http://schemas.microsoft.com/office/drawing/2014/main" val="10000"/>
+                    <a16:rowId xmlns:a16="http://schemas.microsoft.com/office/drawing/2014/main" xmlns="" val="10000"/>
                   </a:ext>
                 </a:extLst>
               </a:tr>
@@ -23072,14 +23054,7 @@
                 <a:latin typeface="맑은 고딕" panose="020B0503020000020004" pitchFamily="50" charset="-127"/>
                 <a:ea typeface="맑은 고딕" panose="020B0503020000020004" pitchFamily="50" charset="-127"/>
               </a:rPr>
-              <a:t>보다 </a:t>
-            </a:r>
-            <a:r>
-              <a:rPr lang="ko-KR" altLang="en-US" sz="1000" dirty="0" smtClean="0">
-                <a:latin typeface="맑은 고딕" panose="020B0503020000020004" pitchFamily="50" charset="-127"/>
-                <a:ea typeface="맑은 고딕" panose="020B0503020000020004" pitchFamily="50" charset="-127"/>
-              </a:rPr>
-              <a:t>큰 나눗셈을 배울 것 같아요</a:t>
+              <a:t>보다 큰 나눗셈을 배울 것 같아요</a:t>
             </a:r>
             <a:r>
               <a:rPr lang="en-US" altLang="ko-KR" sz="1000" dirty="0" smtClean="0">
@@ -23265,7 +23240,7 @@
           <p:cNvPr id="17" name="직사각형 21">
             <a:extLst>
               <a:ext uri="{FF2B5EF4-FFF2-40B4-BE49-F238E27FC236}">
-                <a16:creationId xmlns:a16="http://schemas.microsoft.com/office/drawing/2014/main" id="{5D6D5983-43F0-448A-B261-52D65AAEDFA6}"/>
+                <a16:creationId xmlns:a16="http://schemas.microsoft.com/office/drawing/2014/main" xmlns="" id="{5D6D5983-43F0-448A-B261-52D65AAEDFA6}"/>
               </a:ext>
             </a:extLst>
           </p:cNvPr>
@@ -23331,7 +23306,7 @@
           <p:cNvPr id="18" name="TextBox 7">
             <a:extLst>
               <a:ext uri="{FF2B5EF4-FFF2-40B4-BE49-F238E27FC236}">
-                <a16:creationId xmlns:a16="http://schemas.microsoft.com/office/drawing/2014/main" id="{5D9AD73A-ED14-408F-9330-30BEC80E5807}"/>
+                <a16:creationId xmlns:a16="http://schemas.microsoft.com/office/drawing/2014/main" xmlns="" id="{5D9AD73A-ED14-408F-9330-30BEC80E5807}"/>
               </a:ext>
             </a:extLst>
           </p:cNvPr>
@@ -23375,7 +23350,7 @@
           <p:cNvPr id="19" name="TextBox 8">
             <a:extLst>
               <a:ext uri="{FF2B5EF4-FFF2-40B4-BE49-F238E27FC236}">
-                <a16:creationId xmlns:a16="http://schemas.microsoft.com/office/drawing/2014/main" id="{51BD1227-9CBB-4322-BF1B-3A221D89D21C}"/>
+                <a16:creationId xmlns:a16="http://schemas.microsoft.com/office/drawing/2014/main" xmlns="" id="{51BD1227-9CBB-4322-BF1B-3A221D89D21C}"/>
               </a:ext>
             </a:extLst>
           </p:cNvPr>
@@ -23426,7 +23401,7 @@
           <p:cNvPr id="25" name="TextBox 9">
             <a:extLst>
               <a:ext uri="{FF2B5EF4-FFF2-40B4-BE49-F238E27FC236}">
-                <a16:creationId xmlns:a16="http://schemas.microsoft.com/office/drawing/2014/main" id="{E8C9B935-C6A1-45BB-AA8A-D261BB8770A1}"/>
+                <a16:creationId xmlns:a16="http://schemas.microsoft.com/office/drawing/2014/main" xmlns="" id="{E8C9B935-C6A1-45BB-AA8A-D261BB8770A1}"/>
               </a:ext>
             </a:extLst>
           </p:cNvPr>
@@ -23925,7 +23900,7 @@
                 <a:gridCol w="2016125">
                   <a:extLst>
                     <a:ext uri="{9D8B030D-6E8A-4147-A177-3AD203B41FA5}">
-                      <a16:colId xmlns:a16="http://schemas.microsoft.com/office/drawing/2014/main" val="20000"/>
+                      <a16:colId xmlns:a16="http://schemas.microsoft.com/office/drawing/2014/main" xmlns="" val="20000"/>
                     </a:ext>
                   </a:extLst>
                 </a:gridCol>
@@ -24029,7 +24004,7 @@
                 </a:tc>
                 <a:extLst>
                   <a:ext uri="{0D108BD9-81ED-4DB2-BD59-A6C34878D82A}">
-                    <a16:rowId xmlns:a16="http://schemas.microsoft.com/office/drawing/2014/main" val="10000"/>
+                    <a16:rowId xmlns:a16="http://schemas.microsoft.com/office/drawing/2014/main" xmlns="" val="10000"/>
                   </a:ext>
                 </a:extLst>
               </a:tr>
@@ -24801,7 +24776,7 @@
           <p:cNvPr id="27" name="직사각형 21">
             <a:extLst>
               <a:ext uri="{FF2B5EF4-FFF2-40B4-BE49-F238E27FC236}">
-                <a16:creationId xmlns:a16="http://schemas.microsoft.com/office/drawing/2014/main" id="{FC05FCCF-B4EB-4DEA-B8F4-A135E45BAF82}"/>
+                <a16:creationId xmlns:a16="http://schemas.microsoft.com/office/drawing/2014/main" xmlns="" id="{FC05FCCF-B4EB-4DEA-B8F4-A135E45BAF82}"/>
               </a:ext>
             </a:extLst>
           </p:cNvPr>
@@ -24867,7 +24842,7 @@
           <p:cNvPr id="28" name="TextBox 7">
             <a:extLst>
               <a:ext uri="{FF2B5EF4-FFF2-40B4-BE49-F238E27FC236}">
-                <a16:creationId xmlns:a16="http://schemas.microsoft.com/office/drawing/2014/main" id="{B52F2680-F9F2-43B2-9DD1-D355A41FBB77}"/>
+                <a16:creationId xmlns:a16="http://schemas.microsoft.com/office/drawing/2014/main" xmlns="" id="{B52F2680-F9F2-43B2-9DD1-D355A41FBB77}"/>
               </a:ext>
             </a:extLst>
           </p:cNvPr>
@@ -24911,7 +24886,7 @@
           <p:cNvPr id="29" name="TextBox 8">
             <a:extLst>
               <a:ext uri="{FF2B5EF4-FFF2-40B4-BE49-F238E27FC236}">
-                <a16:creationId xmlns:a16="http://schemas.microsoft.com/office/drawing/2014/main" id="{D2F50D99-2A9E-42E0-9442-5694AF55331F}"/>
+                <a16:creationId xmlns:a16="http://schemas.microsoft.com/office/drawing/2014/main" xmlns="" id="{D2F50D99-2A9E-42E0-9442-5694AF55331F}"/>
               </a:ext>
             </a:extLst>
           </p:cNvPr>
@@ -24962,7 +24937,7 @@
           <p:cNvPr id="30" name="TextBox 9">
             <a:extLst>
               <a:ext uri="{FF2B5EF4-FFF2-40B4-BE49-F238E27FC236}">
-                <a16:creationId xmlns:a16="http://schemas.microsoft.com/office/drawing/2014/main" id="{19E5E13F-9238-475E-8F6D-0D94577D7A27}"/>
+                <a16:creationId xmlns:a16="http://schemas.microsoft.com/office/drawing/2014/main" xmlns="" id="{19E5E13F-9238-475E-8F6D-0D94577D7A27}"/>
               </a:ext>
             </a:extLst>
           </p:cNvPr>
@@ -25383,49 +25358,49 @@
                 <a:gridCol w="540184">
                   <a:extLst>
                     <a:ext uri="{9D8B030D-6E8A-4147-A177-3AD203B41FA5}">
-                      <a16:colId xmlns:a16="http://schemas.microsoft.com/office/drawing/2014/main" val="20000"/>
+                      <a16:colId xmlns:a16="http://schemas.microsoft.com/office/drawing/2014/main" xmlns="" val="20000"/>
                     </a:ext>
                   </a:extLst>
                 </a:gridCol>
                 <a:gridCol w="576064">
                   <a:extLst>
                     <a:ext uri="{9D8B030D-6E8A-4147-A177-3AD203B41FA5}">
-                      <a16:colId xmlns:a16="http://schemas.microsoft.com/office/drawing/2014/main" val="20001"/>
+                      <a16:colId xmlns:a16="http://schemas.microsoft.com/office/drawing/2014/main" xmlns="" val="20001"/>
                     </a:ext>
                   </a:extLst>
                 </a:gridCol>
                 <a:gridCol w="2929184">
                   <a:extLst>
                     <a:ext uri="{9D8B030D-6E8A-4147-A177-3AD203B41FA5}">
-                      <a16:colId xmlns:a16="http://schemas.microsoft.com/office/drawing/2014/main" val="20002"/>
+                      <a16:colId xmlns:a16="http://schemas.microsoft.com/office/drawing/2014/main" xmlns="" val="20002"/>
                     </a:ext>
                   </a:extLst>
                 </a:gridCol>
                 <a:gridCol w="675797">
                   <a:extLst>
                     <a:ext uri="{9D8B030D-6E8A-4147-A177-3AD203B41FA5}">
-                      <a16:colId xmlns:a16="http://schemas.microsoft.com/office/drawing/2014/main" val="20003"/>
+                      <a16:colId xmlns:a16="http://schemas.microsoft.com/office/drawing/2014/main" xmlns="" val="20003"/>
                     </a:ext>
                   </a:extLst>
                 </a:gridCol>
                 <a:gridCol w="1277955">
                   <a:extLst>
                     <a:ext uri="{9D8B030D-6E8A-4147-A177-3AD203B41FA5}">
-                      <a16:colId xmlns:a16="http://schemas.microsoft.com/office/drawing/2014/main" val="20004"/>
+                      <a16:colId xmlns:a16="http://schemas.microsoft.com/office/drawing/2014/main" xmlns="" val="20004"/>
                     </a:ext>
                   </a:extLst>
                 </a:gridCol>
                 <a:gridCol w="1789137">
                   <a:extLst>
                     <a:ext uri="{9D8B030D-6E8A-4147-A177-3AD203B41FA5}">
-                      <a16:colId xmlns:a16="http://schemas.microsoft.com/office/drawing/2014/main" val="20005"/>
+                      <a16:colId xmlns:a16="http://schemas.microsoft.com/office/drawing/2014/main" xmlns="" val="20005"/>
                     </a:ext>
                   </a:extLst>
                 </a:gridCol>
                 <a:gridCol w="985851">
                   <a:extLst>
                     <a:ext uri="{9D8B030D-6E8A-4147-A177-3AD203B41FA5}">
-                      <a16:colId xmlns:a16="http://schemas.microsoft.com/office/drawing/2014/main" val="20006"/>
+                      <a16:colId xmlns:a16="http://schemas.microsoft.com/office/drawing/2014/main" xmlns="" val="20006"/>
                     </a:ext>
                   </a:extLst>
                 </a:gridCol>
@@ -25997,7 +25972,7 @@
                 </a:tc>
                 <a:extLst>
                   <a:ext uri="{0D108BD9-81ED-4DB2-BD59-A6C34878D82A}">
-                    <a16:rowId xmlns:a16="http://schemas.microsoft.com/office/drawing/2014/main" val="10000"/>
+                    <a16:rowId xmlns:a16="http://schemas.microsoft.com/office/drawing/2014/main" xmlns="" val="10000"/>
                   </a:ext>
                 </a:extLst>
               </a:tr>
@@ -26661,7 +26636,7 @@
                 </a:tc>
                 <a:extLst>
                   <a:ext uri="{0D108BD9-81ED-4DB2-BD59-A6C34878D82A}">
-                    <a16:rowId xmlns:a16="http://schemas.microsoft.com/office/drawing/2014/main" val="10001"/>
+                    <a16:rowId xmlns:a16="http://schemas.microsoft.com/office/drawing/2014/main" xmlns="" val="10001"/>
                   </a:ext>
                 </a:extLst>
               </a:tr>
@@ -27439,7 +27414,7 @@
                 </a:tc>
                 <a:extLst>
                   <a:ext uri="{0D108BD9-81ED-4DB2-BD59-A6C34878D82A}">
-                    <a16:rowId xmlns:a16="http://schemas.microsoft.com/office/drawing/2014/main" val="10002"/>
+                    <a16:rowId xmlns:a16="http://schemas.microsoft.com/office/drawing/2014/main" xmlns="" val="10002"/>
                   </a:ext>
                 </a:extLst>
               </a:tr>
@@ -28233,7 +28208,7 @@
                 </a:tc>
                 <a:extLst>
                   <a:ext uri="{0D108BD9-81ED-4DB2-BD59-A6C34878D82A}">
-                    <a16:rowId xmlns:a16="http://schemas.microsoft.com/office/drawing/2014/main" val="10003"/>
+                    <a16:rowId xmlns:a16="http://schemas.microsoft.com/office/drawing/2014/main" xmlns="" val="10003"/>
                   </a:ext>
                 </a:extLst>
               </a:tr>
@@ -28896,7 +28871,7 @@
                 </a:tc>
                 <a:extLst>
                   <a:ext uri="{0D108BD9-81ED-4DB2-BD59-A6C34878D82A}">
-                    <a16:rowId xmlns:a16="http://schemas.microsoft.com/office/drawing/2014/main" val="10004"/>
+                    <a16:rowId xmlns:a16="http://schemas.microsoft.com/office/drawing/2014/main" xmlns="" val="10004"/>
                   </a:ext>
                 </a:extLst>
               </a:tr>
@@ -29550,7 +29525,7 @@
                 </a:tc>
                 <a:extLst>
                   <a:ext uri="{0D108BD9-81ED-4DB2-BD59-A6C34878D82A}">
-                    <a16:rowId xmlns:a16="http://schemas.microsoft.com/office/drawing/2014/main" val="10005"/>
+                    <a16:rowId xmlns:a16="http://schemas.microsoft.com/office/drawing/2014/main" xmlns="" val="10005"/>
                   </a:ext>
                 </a:extLst>
               </a:tr>
@@ -30175,7 +30150,7 @@
                 </a:tc>
                 <a:extLst>
                   <a:ext uri="{0D108BD9-81ED-4DB2-BD59-A6C34878D82A}">
-                    <a16:rowId xmlns:a16="http://schemas.microsoft.com/office/drawing/2014/main" val="10006"/>
+                    <a16:rowId xmlns:a16="http://schemas.microsoft.com/office/drawing/2014/main" xmlns="" val="10006"/>
                   </a:ext>
                 </a:extLst>
               </a:tr>
@@ -30654,7 +30629,7 @@
                 </a:tc>
                 <a:extLst>
                   <a:ext uri="{0D108BD9-81ED-4DB2-BD59-A6C34878D82A}">
-                    <a16:rowId xmlns:a16="http://schemas.microsoft.com/office/drawing/2014/main" val="10007"/>
+                    <a16:rowId xmlns:a16="http://schemas.microsoft.com/office/drawing/2014/main" xmlns="" val="10007"/>
                   </a:ext>
                 </a:extLst>
               </a:tr>
@@ -30690,14 +30665,14 @@
                 <a:gridCol w="3048000">
                   <a:extLst>
                     <a:ext uri="{9D8B030D-6E8A-4147-A177-3AD203B41FA5}">
-                      <a16:colId xmlns:a16="http://schemas.microsoft.com/office/drawing/2014/main" val="20000"/>
+                      <a16:colId xmlns:a16="http://schemas.microsoft.com/office/drawing/2014/main" xmlns="" val="20000"/>
                     </a:ext>
                   </a:extLst>
                 </a:gridCol>
                 <a:gridCol w="2244588">
                   <a:extLst>
                     <a:ext uri="{9D8B030D-6E8A-4147-A177-3AD203B41FA5}">
-                      <a16:colId xmlns:a16="http://schemas.microsoft.com/office/drawing/2014/main" val="20001"/>
+                      <a16:colId xmlns:a16="http://schemas.microsoft.com/office/drawing/2014/main" xmlns="" val="20001"/>
                     </a:ext>
                   </a:extLst>
                 </a:gridCol>
@@ -30862,7 +30837,7 @@
                 </a:tc>
                 <a:extLst>
                   <a:ext uri="{0D108BD9-81ED-4DB2-BD59-A6C34878D82A}">
-                    <a16:rowId xmlns:a16="http://schemas.microsoft.com/office/drawing/2014/main" val="10000"/>
+                    <a16:rowId xmlns:a16="http://schemas.microsoft.com/office/drawing/2014/main" xmlns="" val="10000"/>
                   </a:ext>
                 </a:extLst>
               </a:tr>
@@ -30991,7 +30966,7 @@
                 </a:tc>
                 <a:extLst>
                   <a:ext uri="{0D108BD9-81ED-4DB2-BD59-A6C34878D82A}">
-                    <a16:rowId xmlns:a16="http://schemas.microsoft.com/office/drawing/2014/main" val="10001"/>
+                    <a16:rowId xmlns:a16="http://schemas.microsoft.com/office/drawing/2014/main" xmlns="" val="10001"/>
                   </a:ext>
                 </a:extLst>
               </a:tr>
@@ -31120,7 +31095,7 @@
                 </a:tc>
                 <a:extLst>
                   <a:ext uri="{0D108BD9-81ED-4DB2-BD59-A6C34878D82A}">
-                    <a16:rowId xmlns:a16="http://schemas.microsoft.com/office/drawing/2014/main" val="10002"/>
+                    <a16:rowId xmlns:a16="http://schemas.microsoft.com/office/drawing/2014/main" xmlns="" val="10002"/>
                   </a:ext>
                 </a:extLst>
               </a:tr>
@@ -31270,7 +31245,7 @@
                 </a:tc>
                 <a:extLst>
                   <a:ext uri="{0D108BD9-81ED-4DB2-BD59-A6C34878D82A}">
-                    <a16:rowId xmlns:a16="http://schemas.microsoft.com/office/drawing/2014/main" val="10003"/>
+                    <a16:rowId xmlns:a16="http://schemas.microsoft.com/office/drawing/2014/main" xmlns="" val="10003"/>
                   </a:ext>
                 </a:extLst>
               </a:tr>
@@ -31399,7 +31374,7 @@
                 </a:tc>
                 <a:extLst>
                   <a:ext uri="{0D108BD9-81ED-4DB2-BD59-A6C34878D82A}">
-                    <a16:rowId xmlns:a16="http://schemas.microsoft.com/office/drawing/2014/main" val="10004"/>
+                    <a16:rowId xmlns:a16="http://schemas.microsoft.com/office/drawing/2014/main" xmlns="" val="10004"/>
                   </a:ext>
                 </a:extLst>
               </a:tr>
@@ -31524,7 +31499,7 @@
                 </a:tc>
                 <a:extLst>
                   <a:ext uri="{0D108BD9-81ED-4DB2-BD59-A6C34878D82A}">
-                    <a16:rowId xmlns:a16="http://schemas.microsoft.com/office/drawing/2014/main" val="10005"/>
+                    <a16:rowId xmlns:a16="http://schemas.microsoft.com/office/drawing/2014/main" xmlns="" val="10005"/>
                   </a:ext>
                 </a:extLst>
               </a:tr>
@@ -31649,7 +31624,7 @@
                 </a:tc>
                 <a:extLst>
                   <a:ext uri="{0D108BD9-81ED-4DB2-BD59-A6C34878D82A}">
-                    <a16:rowId xmlns:a16="http://schemas.microsoft.com/office/drawing/2014/main" val="10006"/>
+                    <a16:rowId xmlns:a16="http://schemas.microsoft.com/office/drawing/2014/main" xmlns="" val="10006"/>
                   </a:ext>
                 </a:extLst>
               </a:tr>
@@ -31774,7 +31749,7 @@
                 </a:tc>
                 <a:extLst>
                   <a:ext uri="{0D108BD9-81ED-4DB2-BD59-A6C34878D82A}">
-                    <a16:rowId xmlns:a16="http://schemas.microsoft.com/office/drawing/2014/main" val="10007"/>
+                    <a16:rowId xmlns:a16="http://schemas.microsoft.com/office/drawing/2014/main" xmlns="" val="10007"/>
                   </a:ext>
                 </a:extLst>
               </a:tr>
@@ -31924,7 +31899,7 @@
                 </a:tc>
                 <a:extLst>
                   <a:ext uri="{0D108BD9-81ED-4DB2-BD59-A6C34878D82A}">
-                    <a16:rowId xmlns:a16="http://schemas.microsoft.com/office/drawing/2014/main" val="10008"/>
+                    <a16:rowId xmlns:a16="http://schemas.microsoft.com/office/drawing/2014/main" xmlns="" val="10008"/>
                   </a:ext>
                 </a:extLst>
               </a:tr>
@@ -32074,7 +32049,7 @@
                 </a:tc>
                 <a:extLst>
                   <a:ext uri="{0D108BD9-81ED-4DB2-BD59-A6C34878D82A}">
-                    <a16:rowId xmlns:a16="http://schemas.microsoft.com/office/drawing/2014/main" val="10009"/>
+                    <a16:rowId xmlns:a16="http://schemas.microsoft.com/office/drawing/2014/main" xmlns="" val="10009"/>
                   </a:ext>
                 </a:extLst>
               </a:tr>
@@ -32224,7 +32199,7 @@
                 </a:tc>
                 <a:extLst>
                   <a:ext uri="{0D108BD9-81ED-4DB2-BD59-A6C34878D82A}">
-                    <a16:rowId xmlns:a16="http://schemas.microsoft.com/office/drawing/2014/main" val="10010"/>
+                    <a16:rowId xmlns:a16="http://schemas.microsoft.com/office/drawing/2014/main" xmlns="" val="10010"/>
                   </a:ext>
                 </a:extLst>
               </a:tr>
@@ -32405,7 +32380,7 @@
                 </a:tc>
                 <a:extLst>
                   <a:ext uri="{0D108BD9-81ED-4DB2-BD59-A6C34878D82A}">
-                    <a16:rowId xmlns:a16="http://schemas.microsoft.com/office/drawing/2014/main" val="10011"/>
+                    <a16:rowId xmlns:a16="http://schemas.microsoft.com/office/drawing/2014/main" xmlns="" val="10011"/>
                   </a:ext>
                 </a:extLst>
               </a:tr>
@@ -32611,7 +32586,7 @@
                 </a:tc>
                 <a:extLst>
                   <a:ext uri="{0D108BD9-81ED-4DB2-BD59-A6C34878D82A}">
-                    <a16:rowId xmlns:a16="http://schemas.microsoft.com/office/drawing/2014/main" val="10012"/>
+                    <a16:rowId xmlns:a16="http://schemas.microsoft.com/office/drawing/2014/main" xmlns="" val="10012"/>
                   </a:ext>
                 </a:extLst>
               </a:tr>
@@ -32664,7 +32639,7 @@
                 <a:gridCol w="2016125">
                   <a:extLst>
                     <a:ext uri="{9D8B030D-6E8A-4147-A177-3AD203B41FA5}">
-                      <a16:colId xmlns:a16="http://schemas.microsoft.com/office/drawing/2014/main" val="20000"/>
+                      <a16:colId xmlns:a16="http://schemas.microsoft.com/office/drawing/2014/main" xmlns="" val="20000"/>
                     </a:ext>
                   </a:extLst>
                 </a:gridCol>
@@ -32768,7 +32743,7 @@
                 </a:tc>
                 <a:extLst>
                   <a:ext uri="{0D108BD9-81ED-4DB2-BD59-A6C34878D82A}">
-                    <a16:rowId xmlns:a16="http://schemas.microsoft.com/office/drawing/2014/main" val="10000"/>
+                    <a16:rowId xmlns:a16="http://schemas.microsoft.com/office/drawing/2014/main" xmlns="" val="10000"/>
                   </a:ext>
                 </a:extLst>
               </a:tr>
@@ -33394,7 +33369,7 @@
           <p:cNvPr id="39" name="그림 38">
             <a:extLst>
               <a:ext uri="{FF2B5EF4-FFF2-40B4-BE49-F238E27FC236}">
-                <a16:creationId xmlns:a16="http://schemas.microsoft.com/office/drawing/2014/main" id="{DA98CC91-1616-49F6-9F72-4BDC44A5DD09}"/>
+                <a16:creationId xmlns:a16="http://schemas.microsoft.com/office/drawing/2014/main" xmlns="" id="{DA98CC91-1616-49F6-9F72-4BDC44A5DD09}"/>
               </a:ext>
             </a:extLst>
           </p:cNvPr>
@@ -33439,7 +33414,7 @@
                 <a:gridCol w="2016125">
                   <a:extLst>
                     <a:ext uri="{9D8B030D-6E8A-4147-A177-3AD203B41FA5}">
-                      <a16:colId xmlns:a16="http://schemas.microsoft.com/office/drawing/2014/main" val="20000"/>
+                      <a16:colId xmlns:a16="http://schemas.microsoft.com/office/drawing/2014/main" xmlns="" val="20000"/>
                     </a:ext>
                   </a:extLst>
                 </a:gridCol>
@@ -33543,7 +33518,7 @@
                 </a:tc>
                 <a:extLst>
                   <a:ext uri="{0D108BD9-81ED-4DB2-BD59-A6C34878D82A}">
-                    <a16:rowId xmlns:a16="http://schemas.microsoft.com/office/drawing/2014/main" val="10000"/>
+                    <a16:rowId xmlns:a16="http://schemas.microsoft.com/office/drawing/2014/main" xmlns="" val="10000"/>
                   </a:ext>
                 </a:extLst>
               </a:tr>
@@ -33635,14 +33610,14 @@
                 <a:gridCol w="1619187">
                   <a:extLst>
                     <a:ext uri="{9D8B030D-6E8A-4147-A177-3AD203B41FA5}">
-                      <a16:colId xmlns:a16="http://schemas.microsoft.com/office/drawing/2014/main" val="20000"/>
+                      <a16:colId xmlns:a16="http://schemas.microsoft.com/office/drawing/2014/main" xmlns="" val="20000"/>
                     </a:ext>
                   </a:extLst>
                 </a:gridCol>
                 <a:gridCol w="5136616">
                   <a:extLst>
                     <a:ext uri="{9D8B030D-6E8A-4147-A177-3AD203B41FA5}">
-                      <a16:colId xmlns:a16="http://schemas.microsoft.com/office/drawing/2014/main" val="20001"/>
+                      <a16:colId xmlns:a16="http://schemas.microsoft.com/office/drawing/2014/main" xmlns="" val="20001"/>
                     </a:ext>
                   </a:extLst>
                 </a:gridCol>
@@ -33810,7 +33785,7 @@
                 </a:tc>
                 <a:extLst>
                   <a:ext uri="{0D108BD9-81ED-4DB2-BD59-A6C34878D82A}">
-                    <a16:rowId xmlns:a16="http://schemas.microsoft.com/office/drawing/2014/main" val="10000"/>
+                    <a16:rowId xmlns:a16="http://schemas.microsoft.com/office/drawing/2014/main" xmlns="" val="10000"/>
                   </a:ext>
                 </a:extLst>
               </a:tr>
@@ -34377,7 +34352,7 @@
           <p:cNvPr id="23" name="직사각형 21">
             <a:extLst>
               <a:ext uri="{FF2B5EF4-FFF2-40B4-BE49-F238E27FC236}">
-                <a16:creationId xmlns:a16="http://schemas.microsoft.com/office/drawing/2014/main" id="{1DDBCD9C-26E5-4707-B8C9-3EDA5B916600}"/>
+                <a16:creationId xmlns:a16="http://schemas.microsoft.com/office/drawing/2014/main" xmlns="" id="{1DDBCD9C-26E5-4707-B8C9-3EDA5B916600}"/>
               </a:ext>
             </a:extLst>
           </p:cNvPr>
@@ -34443,7 +34418,7 @@
           <p:cNvPr id="24" name="TextBox 7">
             <a:extLst>
               <a:ext uri="{FF2B5EF4-FFF2-40B4-BE49-F238E27FC236}">
-                <a16:creationId xmlns:a16="http://schemas.microsoft.com/office/drawing/2014/main" id="{FD459578-06B8-450A-921A-9AE7D40BCFAD}"/>
+                <a16:creationId xmlns:a16="http://schemas.microsoft.com/office/drawing/2014/main" xmlns="" id="{FD459578-06B8-450A-921A-9AE7D40BCFAD}"/>
               </a:ext>
             </a:extLst>
           </p:cNvPr>
@@ -34487,7 +34462,7 @@
           <p:cNvPr id="25" name="TextBox 8">
             <a:extLst>
               <a:ext uri="{FF2B5EF4-FFF2-40B4-BE49-F238E27FC236}">
-                <a16:creationId xmlns:a16="http://schemas.microsoft.com/office/drawing/2014/main" id="{81F9FD62-1B06-4DBD-956F-FE2D520C0F1E}"/>
+                <a16:creationId xmlns:a16="http://schemas.microsoft.com/office/drawing/2014/main" xmlns="" id="{81F9FD62-1B06-4DBD-956F-FE2D520C0F1E}"/>
               </a:ext>
             </a:extLst>
           </p:cNvPr>
@@ -34538,7 +34513,7 @@
           <p:cNvPr id="26" name="TextBox 9">
             <a:extLst>
               <a:ext uri="{FF2B5EF4-FFF2-40B4-BE49-F238E27FC236}">
-                <a16:creationId xmlns:a16="http://schemas.microsoft.com/office/drawing/2014/main" id="{D8ECD863-D061-4661-A598-C9B416235810}"/>
+                <a16:creationId xmlns:a16="http://schemas.microsoft.com/office/drawing/2014/main" xmlns="" id="{D8ECD863-D061-4661-A598-C9B416235810}"/>
               </a:ext>
             </a:extLst>
           </p:cNvPr>
@@ -34630,7 +34605,7 @@
           <p:cNvPr id="120" name="그림 119">
             <a:extLst>
               <a:ext uri="{FF2B5EF4-FFF2-40B4-BE49-F238E27FC236}">
-                <a16:creationId xmlns:a16="http://schemas.microsoft.com/office/drawing/2014/main" id="{527F4F49-62C7-4098-B440-5FCEE862E169}"/>
+                <a16:creationId xmlns:a16="http://schemas.microsoft.com/office/drawing/2014/main" xmlns="" id="{527F4F49-62C7-4098-B440-5FCEE862E169}"/>
               </a:ext>
             </a:extLst>
           </p:cNvPr>
@@ -34724,7 +34699,7 @@
                 <a:gridCol w="2016125">
                   <a:extLst>
                     <a:ext uri="{9D8B030D-6E8A-4147-A177-3AD203B41FA5}">
-                      <a16:colId xmlns:a16="http://schemas.microsoft.com/office/drawing/2014/main" val="20000"/>
+                      <a16:colId xmlns:a16="http://schemas.microsoft.com/office/drawing/2014/main" xmlns="" val="20000"/>
                     </a:ext>
                   </a:extLst>
                 </a:gridCol>
@@ -34828,7 +34803,7 @@
                 </a:tc>
                 <a:extLst>
                   <a:ext uri="{0D108BD9-81ED-4DB2-BD59-A6C34878D82A}">
-                    <a16:rowId xmlns:a16="http://schemas.microsoft.com/office/drawing/2014/main" val="10000"/>
+                    <a16:rowId xmlns:a16="http://schemas.microsoft.com/office/drawing/2014/main" xmlns="" val="10000"/>
                   </a:ext>
                 </a:extLst>
               </a:tr>
@@ -34920,14 +34895,14 @@
                 <a:gridCol w="858104">
                   <a:extLst>
                     <a:ext uri="{9D8B030D-6E8A-4147-A177-3AD203B41FA5}">
-                      <a16:colId xmlns:a16="http://schemas.microsoft.com/office/drawing/2014/main" val="20000"/>
+                      <a16:colId xmlns:a16="http://schemas.microsoft.com/office/drawing/2014/main" xmlns="" val="20000"/>
                     </a:ext>
                   </a:extLst>
                 </a:gridCol>
                 <a:gridCol w="5830760">
                   <a:extLst>
                     <a:ext uri="{9D8B030D-6E8A-4147-A177-3AD203B41FA5}">
-                      <a16:colId xmlns:a16="http://schemas.microsoft.com/office/drawing/2014/main" val="20001"/>
+                      <a16:colId xmlns:a16="http://schemas.microsoft.com/office/drawing/2014/main" xmlns="" val="20001"/>
                     </a:ext>
                   </a:extLst>
                 </a:gridCol>
@@ -35217,7 +35192,7 @@
                 </a:tc>
                 <a:extLst>
                   <a:ext uri="{0D108BD9-81ED-4DB2-BD59-A6C34878D82A}">
-                    <a16:rowId xmlns:a16="http://schemas.microsoft.com/office/drawing/2014/main" val="10000"/>
+                    <a16:rowId xmlns:a16="http://schemas.microsoft.com/office/drawing/2014/main" xmlns="" val="10000"/>
                   </a:ext>
                 </a:extLst>
               </a:tr>
@@ -36705,7 +36680,7 @@
           <p:cNvPr id="74" name="그림 73">
             <a:extLst>
               <a:ext uri="{FF2B5EF4-FFF2-40B4-BE49-F238E27FC236}">
-                <a16:creationId xmlns:a16="http://schemas.microsoft.com/office/drawing/2014/main" id="{19169159-FA9D-4B43-9785-2CD20D7903C3}"/>
+                <a16:creationId xmlns:a16="http://schemas.microsoft.com/office/drawing/2014/main" xmlns="" id="{19169159-FA9D-4B43-9785-2CD20D7903C3}"/>
               </a:ext>
             </a:extLst>
           </p:cNvPr>
@@ -36741,7 +36716,7 @@
           <p:cNvPr id="77" name="Picture 4">
             <a:extLst>
               <a:ext uri="{FF2B5EF4-FFF2-40B4-BE49-F238E27FC236}">
-                <a16:creationId xmlns:a16="http://schemas.microsoft.com/office/drawing/2014/main" id="{0BE31CF1-9B7B-4161-ADA4-98B2F5447D70}"/>
+                <a16:creationId xmlns:a16="http://schemas.microsoft.com/office/drawing/2014/main" xmlns="" id="{0BE31CF1-9B7B-4161-ADA4-98B2F5447D70}"/>
               </a:ext>
             </a:extLst>
           </p:cNvPr>
@@ -36811,7 +36786,7 @@
           <p:cNvPr id="78" name="Picture 4">
             <a:extLst>
               <a:ext uri="{FF2B5EF4-FFF2-40B4-BE49-F238E27FC236}">
-                <a16:creationId xmlns:a16="http://schemas.microsoft.com/office/drawing/2014/main" id="{0BE31CF1-9B7B-4161-ADA4-98B2F5447D70}"/>
+                <a16:creationId xmlns:a16="http://schemas.microsoft.com/office/drawing/2014/main" xmlns="" id="{0BE31CF1-9B7B-4161-ADA4-98B2F5447D70}"/>
               </a:ext>
             </a:extLst>
           </p:cNvPr>
@@ -36948,7 +36923,7 @@
           <p:cNvPr id="50" name="직사각형 21">
             <a:extLst>
               <a:ext uri="{FF2B5EF4-FFF2-40B4-BE49-F238E27FC236}">
-                <a16:creationId xmlns:a16="http://schemas.microsoft.com/office/drawing/2014/main" id="{C4ABFF7D-C18F-4580-9A8D-DCCC507C7F6E}"/>
+                <a16:creationId xmlns:a16="http://schemas.microsoft.com/office/drawing/2014/main" xmlns="" id="{C4ABFF7D-C18F-4580-9A8D-DCCC507C7F6E}"/>
               </a:ext>
             </a:extLst>
           </p:cNvPr>
@@ -37014,7 +36989,7 @@
           <p:cNvPr id="51" name="TextBox 7">
             <a:extLst>
               <a:ext uri="{FF2B5EF4-FFF2-40B4-BE49-F238E27FC236}">
-                <a16:creationId xmlns:a16="http://schemas.microsoft.com/office/drawing/2014/main" id="{CB21DE84-83D8-4605-96DF-3B4734744500}"/>
+                <a16:creationId xmlns:a16="http://schemas.microsoft.com/office/drawing/2014/main" xmlns="" id="{CB21DE84-83D8-4605-96DF-3B4734744500}"/>
               </a:ext>
             </a:extLst>
           </p:cNvPr>
@@ -37058,7 +37033,7 @@
           <p:cNvPr id="52" name="TextBox 8">
             <a:extLst>
               <a:ext uri="{FF2B5EF4-FFF2-40B4-BE49-F238E27FC236}">
-                <a16:creationId xmlns:a16="http://schemas.microsoft.com/office/drawing/2014/main" id="{427F8A2E-6FFD-4805-8A23-F240656E2AE2}"/>
+                <a16:creationId xmlns:a16="http://schemas.microsoft.com/office/drawing/2014/main" xmlns="" id="{427F8A2E-6FFD-4805-8A23-F240656E2AE2}"/>
               </a:ext>
             </a:extLst>
           </p:cNvPr>
@@ -37109,7 +37084,7 @@
           <p:cNvPr id="54" name="TextBox 9">
             <a:extLst>
               <a:ext uri="{FF2B5EF4-FFF2-40B4-BE49-F238E27FC236}">
-                <a16:creationId xmlns:a16="http://schemas.microsoft.com/office/drawing/2014/main" id="{879ABAC2-193B-44B1-8FB2-1969A74F3C62}"/>
+                <a16:creationId xmlns:a16="http://schemas.microsoft.com/office/drawing/2014/main" xmlns="" id="{879ABAC2-193B-44B1-8FB2-1969A74F3C62}"/>
               </a:ext>
             </a:extLst>
           </p:cNvPr>
@@ -37171,7 +37146,7 @@
           <p:cNvPr id="97" name="그룹 96">
             <a:extLst>
               <a:ext uri="{FF2B5EF4-FFF2-40B4-BE49-F238E27FC236}">
-                <a16:creationId xmlns:a16="http://schemas.microsoft.com/office/drawing/2014/main" id="{BB8B4728-2FDF-4C5F-8CF7-A6229FD322C4}"/>
+                <a16:creationId xmlns:a16="http://schemas.microsoft.com/office/drawing/2014/main" xmlns="" id="{BB8B4728-2FDF-4C5F-8CF7-A6229FD322C4}"/>
               </a:ext>
             </a:extLst>
           </p:cNvPr>
@@ -37191,7 +37166,7 @@
             <p:cNvPr id="98" name="그룹 97">
               <a:extLst>
                 <a:ext uri="{FF2B5EF4-FFF2-40B4-BE49-F238E27FC236}">
-                  <a16:creationId xmlns:a16="http://schemas.microsoft.com/office/drawing/2014/main" id="{62C68E43-6D8F-45F5-B651-D3CFA2FEF5E8}"/>
+                  <a16:creationId xmlns:a16="http://schemas.microsoft.com/office/drawing/2014/main" xmlns="" id="{62C68E43-6D8F-45F5-B651-D3CFA2FEF5E8}"/>
                 </a:ext>
               </a:extLst>
             </p:cNvPr>
@@ -37211,7 +37186,7 @@
               <p:cNvPr id="108" name="직사각형 107">
                 <a:extLst>
                   <a:ext uri="{FF2B5EF4-FFF2-40B4-BE49-F238E27FC236}">
-                    <a16:creationId xmlns:a16="http://schemas.microsoft.com/office/drawing/2014/main" id="{DCC8BE9B-13A2-4E20-8793-F27CE8F04545}"/>
+                    <a16:creationId xmlns:a16="http://schemas.microsoft.com/office/drawing/2014/main" xmlns="" id="{DCC8BE9B-13A2-4E20-8793-F27CE8F04545}"/>
                   </a:ext>
                 </a:extLst>
               </p:cNvPr>
@@ -37389,7 +37364,7 @@
               <p:cNvPr id="109" name="TextBox 67">
                 <a:extLst>
                   <a:ext uri="{FF2B5EF4-FFF2-40B4-BE49-F238E27FC236}">
-                    <a16:creationId xmlns:a16="http://schemas.microsoft.com/office/drawing/2014/main" id="{6C5D212D-D841-4039-A679-14CF75D56851}"/>
+                    <a16:creationId xmlns:a16="http://schemas.microsoft.com/office/drawing/2014/main" xmlns="" id="{6C5D212D-D841-4039-A679-14CF75D56851}"/>
                   </a:ext>
                 </a:extLst>
               </p:cNvPr>
@@ -37578,7 +37553,7 @@
             <p:cNvPr id="99" name="그룹 98">
               <a:extLst>
                 <a:ext uri="{FF2B5EF4-FFF2-40B4-BE49-F238E27FC236}">
-                  <a16:creationId xmlns:a16="http://schemas.microsoft.com/office/drawing/2014/main" id="{CD75319C-05B2-4146-9E92-44C21441AC93}"/>
+                  <a16:creationId xmlns:a16="http://schemas.microsoft.com/office/drawing/2014/main" xmlns="" id="{CD75319C-05B2-4146-9E92-44C21441AC93}"/>
                 </a:ext>
               </a:extLst>
             </p:cNvPr>
@@ -37598,7 +37573,7 @@
               <p:cNvPr id="106" name="직사각형 105">
                 <a:extLst>
                   <a:ext uri="{FF2B5EF4-FFF2-40B4-BE49-F238E27FC236}">
-                    <a16:creationId xmlns:a16="http://schemas.microsoft.com/office/drawing/2014/main" id="{6F465A7A-EFC3-4F7B-BB61-FF288035D1F1}"/>
+                    <a16:creationId xmlns:a16="http://schemas.microsoft.com/office/drawing/2014/main" xmlns="" id="{6F465A7A-EFC3-4F7B-BB61-FF288035D1F1}"/>
                   </a:ext>
                 </a:extLst>
               </p:cNvPr>
@@ -37777,7 +37752,7 @@
               <p:cNvPr id="107" name="TextBox 65">
                 <a:extLst>
                   <a:ext uri="{FF2B5EF4-FFF2-40B4-BE49-F238E27FC236}">
-                    <a16:creationId xmlns:a16="http://schemas.microsoft.com/office/drawing/2014/main" id="{8A24C54C-D191-47A2-9E9A-AB94F3769FDA}"/>
+                    <a16:creationId xmlns:a16="http://schemas.microsoft.com/office/drawing/2014/main" xmlns="" id="{8A24C54C-D191-47A2-9E9A-AB94F3769FDA}"/>
                   </a:ext>
                 </a:extLst>
               </p:cNvPr>
@@ -37966,7 +37941,7 @@
             <p:cNvPr id="100" name="그룹 99">
               <a:extLst>
                 <a:ext uri="{FF2B5EF4-FFF2-40B4-BE49-F238E27FC236}">
-                  <a16:creationId xmlns:a16="http://schemas.microsoft.com/office/drawing/2014/main" id="{98F57D86-3BDB-4745-9D9A-471DB9E595C3}"/>
+                  <a16:creationId xmlns:a16="http://schemas.microsoft.com/office/drawing/2014/main" xmlns="" id="{98F57D86-3BDB-4745-9D9A-471DB9E595C3}"/>
                 </a:ext>
               </a:extLst>
             </p:cNvPr>
@@ -37986,7 +37961,7 @@
               <p:cNvPr id="104" name="직사각형 103">
                 <a:extLst>
                   <a:ext uri="{FF2B5EF4-FFF2-40B4-BE49-F238E27FC236}">
-                    <a16:creationId xmlns:a16="http://schemas.microsoft.com/office/drawing/2014/main" id="{ADBF5702-60D6-445D-BB4C-0635772B2F1A}"/>
+                    <a16:creationId xmlns:a16="http://schemas.microsoft.com/office/drawing/2014/main" xmlns="" id="{ADBF5702-60D6-445D-BB4C-0635772B2F1A}"/>
                   </a:ext>
                 </a:extLst>
               </p:cNvPr>
@@ -38165,7 +38140,7 @@
               <p:cNvPr id="105" name="TextBox 63">
                 <a:extLst>
                   <a:ext uri="{FF2B5EF4-FFF2-40B4-BE49-F238E27FC236}">
-                    <a16:creationId xmlns:a16="http://schemas.microsoft.com/office/drawing/2014/main" id="{688FB1CF-5C94-4C1A-9364-3B35D4E64D8D}"/>
+                    <a16:creationId xmlns:a16="http://schemas.microsoft.com/office/drawing/2014/main" xmlns="" id="{688FB1CF-5C94-4C1A-9364-3B35D4E64D8D}"/>
                   </a:ext>
                 </a:extLst>
               </p:cNvPr>
@@ -38355,7 +38330,7 @@
           <p:cNvPr id="48" name="Picture 4">
             <a:extLst>
               <a:ext uri="{FF2B5EF4-FFF2-40B4-BE49-F238E27FC236}">
-                <a16:creationId xmlns:a16="http://schemas.microsoft.com/office/drawing/2014/main" id="{5234F8AD-312A-4373-A81C-B19F31D93B4A}"/>
+                <a16:creationId xmlns:a16="http://schemas.microsoft.com/office/drawing/2014/main" xmlns="" id="{5234F8AD-312A-4373-A81C-B19F31D93B4A}"/>
               </a:ext>
             </a:extLst>
           </p:cNvPr>
@@ -38707,7 +38682,7 @@
           <p:cNvPr id="5" name="그림 4">
             <a:extLst>
               <a:ext uri="{FF2B5EF4-FFF2-40B4-BE49-F238E27FC236}">
-                <a16:creationId xmlns:a16="http://schemas.microsoft.com/office/drawing/2014/main" id="{FCB3B2FC-FEDF-4B9F-91B0-CD0985407A79}"/>
+                <a16:creationId xmlns:a16="http://schemas.microsoft.com/office/drawing/2014/main" xmlns="" id="{FCB3B2FC-FEDF-4B9F-91B0-CD0985407A79}"/>
               </a:ext>
             </a:extLst>
           </p:cNvPr>
@@ -38837,7 +38812,7 @@
                 <a:gridCol w="2016125">
                   <a:extLst>
                     <a:ext uri="{9D8B030D-6E8A-4147-A177-3AD203B41FA5}">
-                      <a16:colId xmlns:a16="http://schemas.microsoft.com/office/drawing/2014/main" val="20000"/>
+                      <a16:colId xmlns:a16="http://schemas.microsoft.com/office/drawing/2014/main" xmlns="" val="20000"/>
                     </a:ext>
                   </a:extLst>
                 </a:gridCol>
@@ -38941,7 +38916,7 @@
                 </a:tc>
                 <a:extLst>
                   <a:ext uri="{0D108BD9-81ED-4DB2-BD59-A6C34878D82A}">
-                    <a16:rowId xmlns:a16="http://schemas.microsoft.com/office/drawing/2014/main" val="10000"/>
+                    <a16:rowId xmlns:a16="http://schemas.microsoft.com/office/drawing/2014/main" xmlns="" val="10000"/>
                   </a:ext>
                 </a:extLst>
               </a:tr>
@@ -39317,7 +39292,7 @@
           <p:cNvPr id="31" name="TextBox 7">
             <a:extLst>
               <a:ext uri="{FF2B5EF4-FFF2-40B4-BE49-F238E27FC236}">
-                <a16:creationId xmlns:a16="http://schemas.microsoft.com/office/drawing/2014/main" id="{9D9654CB-BDA7-40CF-9F11-EFEDF5F2FB82}"/>
+                <a16:creationId xmlns:a16="http://schemas.microsoft.com/office/drawing/2014/main" xmlns="" id="{9D9654CB-BDA7-40CF-9F11-EFEDF5F2FB82}"/>
               </a:ext>
             </a:extLst>
           </p:cNvPr>
@@ -39361,7 +39336,7 @@
           <p:cNvPr id="32" name="TextBox 8">
             <a:extLst>
               <a:ext uri="{FF2B5EF4-FFF2-40B4-BE49-F238E27FC236}">
-                <a16:creationId xmlns:a16="http://schemas.microsoft.com/office/drawing/2014/main" id="{B1ED4B08-0CF6-4EC6-BB34-BFB22848F49B}"/>
+                <a16:creationId xmlns:a16="http://schemas.microsoft.com/office/drawing/2014/main" xmlns="" id="{B1ED4B08-0CF6-4EC6-BB34-BFB22848F49B}"/>
               </a:ext>
             </a:extLst>
           </p:cNvPr>
@@ -39412,7 +39387,7 @@
           <p:cNvPr id="33" name="TextBox 9">
             <a:extLst>
               <a:ext uri="{FF2B5EF4-FFF2-40B4-BE49-F238E27FC236}">
-                <a16:creationId xmlns:a16="http://schemas.microsoft.com/office/drawing/2014/main" id="{4161B21B-80BF-4D32-AB43-23687034CB29}"/>
+                <a16:creationId xmlns:a16="http://schemas.microsoft.com/office/drawing/2014/main" xmlns="" id="{4161B21B-80BF-4D32-AB43-23687034CB29}"/>
               </a:ext>
             </a:extLst>
           </p:cNvPr>
@@ -39541,7 +39516,7 @@
           <p:cNvPr id="19" name="직사각형 21">
             <a:extLst>
               <a:ext uri="{FF2B5EF4-FFF2-40B4-BE49-F238E27FC236}">
-                <a16:creationId xmlns:a16="http://schemas.microsoft.com/office/drawing/2014/main" id="{C4ABFF7D-C18F-4580-9A8D-DCCC507C7F6E}"/>
+                <a16:creationId xmlns:a16="http://schemas.microsoft.com/office/drawing/2014/main" xmlns="" id="{C4ABFF7D-C18F-4580-9A8D-DCCC507C7F6E}"/>
               </a:ext>
             </a:extLst>
           </p:cNvPr>
@@ -39607,7 +39582,7 @@
           <p:cNvPr id="20" name="이등변 삼각형 19">
             <a:extLst>
               <a:ext uri="{FF2B5EF4-FFF2-40B4-BE49-F238E27FC236}">
-                <a16:creationId xmlns:a16="http://schemas.microsoft.com/office/drawing/2014/main" id="{2FF7D678-280E-44E6-93C1-BA70FC4C5D05}"/>
+                <a16:creationId xmlns:a16="http://schemas.microsoft.com/office/drawing/2014/main" xmlns="" id="{2FF7D678-280E-44E6-93C1-BA70FC4C5D05}"/>
               </a:ext>
             </a:extLst>
           </p:cNvPr>
@@ -39964,7 +39939,7 @@
                 <a:gridCol w="2016125">
                   <a:extLst>
                     <a:ext uri="{9D8B030D-6E8A-4147-A177-3AD203B41FA5}">
-                      <a16:colId xmlns:a16="http://schemas.microsoft.com/office/drawing/2014/main" val="20000"/>
+                      <a16:colId xmlns:a16="http://schemas.microsoft.com/office/drawing/2014/main" xmlns="" val="20000"/>
                     </a:ext>
                   </a:extLst>
                 </a:gridCol>
@@ -40068,7 +40043,7 @@
                 </a:tc>
                 <a:extLst>
                   <a:ext uri="{0D108BD9-81ED-4DB2-BD59-A6C34878D82A}">
-                    <a16:rowId xmlns:a16="http://schemas.microsoft.com/office/drawing/2014/main" val="10000"/>
+                    <a16:rowId xmlns:a16="http://schemas.microsoft.com/office/drawing/2014/main" xmlns="" val="10000"/>
                   </a:ext>
                 </a:extLst>
               </a:tr>
@@ -40797,7 +40772,7 @@
           <p:cNvPr id="81" name="Picture 4">
             <a:extLst>
               <a:ext uri="{FF2B5EF4-FFF2-40B4-BE49-F238E27FC236}">
-                <a16:creationId xmlns:a16="http://schemas.microsoft.com/office/drawing/2014/main" id="{0BE31CF1-9B7B-4161-ADA4-98B2F5447D70}"/>
+                <a16:creationId xmlns:a16="http://schemas.microsoft.com/office/drawing/2014/main" xmlns="" id="{0BE31CF1-9B7B-4161-ADA4-98B2F5447D70}"/>
               </a:ext>
             </a:extLst>
           </p:cNvPr>
@@ -40867,7 +40842,7 @@
           <p:cNvPr id="39" name="직사각형 21">
             <a:extLst>
               <a:ext uri="{FF2B5EF4-FFF2-40B4-BE49-F238E27FC236}">
-                <a16:creationId xmlns:a16="http://schemas.microsoft.com/office/drawing/2014/main" id="{5D6F766B-C4F3-484B-8AFF-D781115914E1}"/>
+                <a16:creationId xmlns:a16="http://schemas.microsoft.com/office/drawing/2014/main" xmlns="" id="{5D6F766B-C4F3-484B-8AFF-D781115914E1}"/>
               </a:ext>
             </a:extLst>
           </p:cNvPr>
@@ -40933,7 +40908,7 @@
           <p:cNvPr id="41" name="TextBox 7">
             <a:extLst>
               <a:ext uri="{FF2B5EF4-FFF2-40B4-BE49-F238E27FC236}">
-                <a16:creationId xmlns:a16="http://schemas.microsoft.com/office/drawing/2014/main" id="{EFBD6C6F-98BA-4F50-822B-CA6AE30E14AE}"/>
+                <a16:creationId xmlns:a16="http://schemas.microsoft.com/office/drawing/2014/main" xmlns="" id="{EFBD6C6F-98BA-4F50-822B-CA6AE30E14AE}"/>
               </a:ext>
             </a:extLst>
           </p:cNvPr>
@@ -40977,7 +40952,7 @@
           <p:cNvPr id="42" name="TextBox 8">
             <a:extLst>
               <a:ext uri="{FF2B5EF4-FFF2-40B4-BE49-F238E27FC236}">
-                <a16:creationId xmlns:a16="http://schemas.microsoft.com/office/drawing/2014/main" id="{D5DF831B-6A15-4CF1-836A-F8C2D3C9D91A}"/>
+                <a16:creationId xmlns:a16="http://schemas.microsoft.com/office/drawing/2014/main" xmlns="" id="{D5DF831B-6A15-4CF1-836A-F8C2D3C9D91A}"/>
               </a:ext>
             </a:extLst>
           </p:cNvPr>
@@ -41028,7 +41003,7 @@
           <p:cNvPr id="43" name="TextBox 9">
             <a:extLst>
               <a:ext uri="{FF2B5EF4-FFF2-40B4-BE49-F238E27FC236}">
-                <a16:creationId xmlns:a16="http://schemas.microsoft.com/office/drawing/2014/main" id="{154554E0-934D-49FA-B3C4-7DF8922A600C}"/>
+                <a16:creationId xmlns:a16="http://schemas.microsoft.com/office/drawing/2014/main" xmlns="" id="{154554E0-934D-49FA-B3C4-7DF8922A600C}"/>
               </a:ext>
             </a:extLst>
           </p:cNvPr>
@@ -41090,7 +41065,7 @@
           <p:cNvPr id="46" name="그룹 45">
             <a:extLst>
               <a:ext uri="{FF2B5EF4-FFF2-40B4-BE49-F238E27FC236}">
-                <a16:creationId xmlns:a16="http://schemas.microsoft.com/office/drawing/2014/main" id="{1FE8DFE9-F924-48F4-A868-186607A96421}"/>
+                <a16:creationId xmlns:a16="http://schemas.microsoft.com/office/drawing/2014/main" xmlns="" id="{1FE8DFE9-F924-48F4-A868-186607A96421}"/>
               </a:ext>
             </a:extLst>
           </p:cNvPr>
@@ -41110,7 +41085,7 @@
             <p:cNvPr id="48" name="그룹 47">
               <a:extLst>
                 <a:ext uri="{FF2B5EF4-FFF2-40B4-BE49-F238E27FC236}">
-                  <a16:creationId xmlns:a16="http://schemas.microsoft.com/office/drawing/2014/main" id="{05F57D3B-DF2D-4500-8919-1D9659089AE6}"/>
+                  <a16:creationId xmlns:a16="http://schemas.microsoft.com/office/drawing/2014/main" xmlns="" id="{05F57D3B-DF2D-4500-8919-1D9659089AE6}"/>
                 </a:ext>
               </a:extLst>
             </p:cNvPr>
@@ -41130,7 +41105,7 @@
               <p:cNvPr id="62" name="직사각형 61">
                 <a:extLst>
                   <a:ext uri="{FF2B5EF4-FFF2-40B4-BE49-F238E27FC236}">
-                    <a16:creationId xmlns:a16="http://schemas.microsoft.com/office/drawing/2014/main" id="{41456560-2C9A-4AFE-9779-0761E3168355}"/>
+                    <a16:creationId xmlns:a16="http://schemas.microsoft.com/office/drawing/2014/main" xmlns="" id="{41456560-2C9A-4AFE-9779-0761E3168355}"/>
                   </a:ext>
                 </a:extLst>
               </p:cNvPr>
@@ -41309,7 +41284,7 @@
               <p:cNvPr id="63" name="TextBox 77">
                 <a:extLst>
                   <a:ext uri="{FF2B5EF4-FFF2-40B4-BE49-F238E27FC236}">
-                    <a16:creationId xmlns:a16="http://schemas.microsoft.com/office/drawing/2014/main" id="{7C93E1D3-0BDD-4679-A0A1-31D34E9D76E0}"/>
+                    <a16:creationId xmlns:a16="http://schemas.microsoft.com/office/drawing/2014/main" xmlns="" id="{7C93E1D3-0BDD-4679-A0A1-31D34E9D76E0}"/>
                   </a:ext>
                 </a:extLst>
               </p:cNvPr>
@@ -41498,7 +41473,7 @@
             <p:cNvPr id="49" name="그룹 48">
               <a:extLst>
                 <a:ext uri="{FF2B5EF4-FFF2-40B4-BE49-F238E27FC236}">
-                  <a16:creationId xmlns:a16="http://schemas.microsoft.com/office/drawing/2014/main" id="{2F7CA623-C5D5-46DA-A854-31CA5A62A61F}"/>
+                  <a16:creationId xmlns:a16="http://schemas.microsoft.com/office/drawing/2014/main" xmlns="" id="{2F7CA623-C5D5-46DA-A854-31CA5A62A61F}"/>
                 </a:ext>
               </a:extLst>
             </p:cNvPr>
@@ -41518,7 +41493,7 @@
               <p:cNvPr id="59" name="직사각형 58">
                 <a:extLst>
                   <a:ext uri="{FF2B5EF4-FFF2-40B4-BE49-F238E27FC236}">
-                    <a16:creationId xmlns:a16="http://schemas.microsoft.com/office/drawing/2014/main" id="{9DAE594A-1404-474F-A503-48743AD8F551}"/>
+                    <a16:creationId xmlns:a16="http://schemas.microsoft.com/office/drawing/2014/main" xmlns="" id="{9DAE594A-1404-474F-A503-48743AD8F551}"/>
                   </a:ext>
                 </a:extLst>
               </p:cNvPr>
@@ -41696,7 +41671,7 @@
               <p:cNvPr id="61" name="TextBox 67">
                 <a:extLst>
                   <a:ext uri="{FF2B5EF4-FFF2-40B4-BE49-F238E27FC236}">
-                    <a16:creationId xmlns:a16="http://schemas.microsoft.com/office/drawing/2014/main" id="{CE7BC464-89FF-41D6-9FBE-AB92FF2BAEED}"/>
+                    <a16:creationId xmlns:a16="http://schemas.microsoft.com/office/drawing/2014/main" xmlns="" id="{CE7BC464-89FF-41D6-9FBE-AB92FF2BAEED}"/>
                   </a:ext>
                 </a:extLst>
               </p:cNvPr>
@@ -41885,7 +41860,7 @@
             <p:cNvPr id="50" name="그룹 49">
               <a:extLst>
                 <a:ext uri="{FF2B5EF4-FFF2-40B4-BE49-F238E27FC236}">
-                  <a16:creationId xmlns:a16="http://schemas.microsoft.com/office/drawing/2014/main" id="{C05ECD45-F065-4FDC-9FF2-BEE2230B10EB}"/>
+                  <a16:creationId xmlns:a16="http://schemas.microsoft.com/office/drawing/2014/main" xmlns="" id="{C05ECD45-F065-4FDC-9FF2-BEE2230B10EB}"/>
                 </a:ext>
               </a:extLst>
             </p:cNvPr>
@@ -41905,7 +41880,7 @@
               <p:cNvPr id="55" name="직사각형 54">
                 <a:extLst>
                   <a:ext uri="{FF2B5EF4-FFF2-40B4-BE49-F238E27FC236}">
-                    <a16:creationId xmlns:a16="http://schemas.microsoft.com/office/drawing/2014/main" id="{0386602E-EAB4-4378-AA80-FF8FEF5F73C1}"/>
+                    <a16:creationId xmlns:a16="http://schemas.microsoft.com/office/drawing/2014/main" xmlns="" id="{0386602E-EAB4-4378-AA80-FF8FEF5F73C1}"/>
                   </a:ext>
                 </a:extLst>
               </p:cNvPr>
@@ -42084,7 +42059,7 @@
               <p:cNvPr id="57" name="TextBox 65">
                 <a:extLst>
                   <a:ext uri="{FF2B5EF4-FFF2-40B4-BE49-F238E27FC236}">
-                    <a16:creationId xmlns:a16="http://schemas.microsoft.com/office/drawing/2014/main" id="{14639202-0322-47C1-ACC0-51D0E75A4619}"/>
+                    <a16:creationId xmlns:a16="http://schemas.microsoft.com/office/drawing/2014/main" xmlns="" id="{14639202-0322-47C1-ACC0-51D0E75A4619}"/>
                   </a:ext>
                 </a:extLst>
               </p:cNvPr>
@@ -42274,7 +42249,7 @@
           <p:cNvPr id="64" name="그림 63">
             <a:extLst>
               <a:ext uri="{FF2B5EF4-FFF2-40B4-BE49-F238E27FC236}">
-                <a16:creationId xmlns:a16="http://schemas.microsoft.com/office/drawing/2014/main" id="{85083DDA-DC54-42B1-901B-B47234BB2FC6}"/>
+                <a16:creationId xmlns:a16="http://schemas.microsoft.com/office/drawing/2014/main" xmlns="" id="{85083DDA-DC54-42B1-901B-B47234BB2FC6}"/>
               </a:ext>
             </a:extLst>
           </p:cNvPr>
@@ -42304,7 +42279,7 @@
           <p:cNvPr id="66" name="모서리가 둥근 직사각형 67">
             <a:extLst>
               <a:ext uri="{FF2B5EF4-FFF2-40B4-BE49-F238E27FC236}">
-                <a16:creationId xmlns:a16="http://schemas.microsoft.com/office/drawing/2014/main" id="{B45A5CF3-4080-4F68-9290-5B74EAEDE8C4}"/>
+                <a16:creationId xmlns:a16="http://schemas.microsoft.com/office/drawing/2014/main" xmlns="" id="{B45A5CF3-4080-4F68-9290-5B74EAEDE8C4}"/>
               </a:ext>
             </a:extLst>
           </p:cNvPr>
@@ -42453,7 +42428,7 @@
           <p:cNvPr id="67" name="이등변 삼각형 66">
             <a:extLst>
               <a:ext uri="{FF2B5EF4-FFF2-40B4-BE49-F238E27FC236}">
-                <a16:creationId xmlns:a16="http://schemas.microsoft.com/office/drawing/2014/main" id="{3C318634-40C8-4D5C-A3C5-383D7DF2D5A0}"/>
+                <a16:creationId xmlns:a16="http://schemas.microsoft.com/office/drawing/2014/main" xmlns="" id="{3C318634-40C8-4D5C-A3C5-383D7DF2D5A0}"/>
               </a:ext>
             </a:extLst>
           </p:cNvPr>
@@ -42513,7 +42488,7 @@
           <p:cNvPr id="68" name="그림 67">
             <a:extLst>
               <a:ext uri="{FF2B5EF4-FFF2-40B4-BE49-F238E27FC236}">
-                <a16:creationId xmlns:a16="http://schemas.microsoft.com/office/drawing/2014/main" id="{E3D17CBC-BB97-418F-99D4-FBD24F63AA21}"/>
+                <a16:creationId xmlns:a16="http://schemas.microsoft.com/office/drawing/2014/main" xmlns="" id="{E3D17CBC-BB97-418F-99D4-FBD24F63AA21}"/>
               </a:ext>
             </a:extLst>
           </p:cNvPr>
@@ -42998,7 +42973,7 @@
                 <a:gridCol w="2016125">
                   <a:extLst>
                     <a:ext uri="{9D8B030D-6E8A-4147-A177-3AD203B41FA5}">
-                      <a16:colId xmlns:a16="http://schemas.microsoft.com/office/drawing/2014/main" val="20000"/>
+                      <a16:colId xmlns:a16="http://schemas.microsoft.com/office/drawing/2014/main" xmlns="" val="20000"/>
                     </a:ext>
                   </a:extLst>
                 </a:gridCol>
@@ -43102,7 +43077,7 @@
                 </a:tc>
                 <a:extLst>
                   <a:ext uri="{0D108BD9-81ED-4DB2-BD59-A6C34878D82A}">
-                    <a16:rowId xmlns:a16="http://schemas.microsoft.com/office/drawing/2014/main" val="10000"/>
+                    <a16:rowId xmlns:a16="http://schemas.microsoft.com/office/drawing/2014/main" xmlns="" val="10000"/>
                   </a:ext>
                 </a:extLst>
               </a:tr>
@@ -43303,7 +43278,7 @@
           <p:cNvPr id="17" name="직사각형 21">
             <a:extLst>
               <a:ext uri="{FF2B5EF4-FFF2-40B4-BE49-F238E27FC236}">
-                <a16:creationId xmlns:a16="http://schemas.microsoft.com/office/drawing/2014/main" id="{419DE786-FE60-4EBE-8913-3ADDA5395C86}"/>
+                <a16:creationId xmlns:a16="http://schemas.microsoft.com/office/drawing/2014/main" xmlns="" id="{419DE786-FE60-4EBE-8913-3ADDA5395C86}"/>
               </a:ext>
             </a:extLst>
           </p:cNvPr>
@@ -43369,7 +43344,7 @@
           <p:cNvPr id="19" name="TextBox 7">
             <a:extLst>
               <a:ext uri="{FF2B5EF4-FFF2-40B4-BE49-F238E27FC236}">
-                <a16:creationId xmlns:a16="http://schemas.microsoft.com/office/drawing/2014/main" id="{FFF4233C-9064-44D8-BFF2-BC720A3BF6EE}"/>
+                <a16:creationId xmlns:a16="http://schemas.microsoft.com/office/drawing/2014/main" xmlns="" id="{FFF4233C-9064-44D8-BFF2-BC720A3BF6EE}"/>
               </a:ext>
             </a:extLst>
           </p:cNvPr>
@@ -43413,7 +43388,7 @@
           <p:cNvPr id="24" name="TextBox 8">
             <a:extLst>
               <a:ext uri="{FF2B5EF4-FFF2-40B4-BE49-F238E27FC236}">
-                <a16:creationId xmlns:a16="http://schemas.microsoft.com/office/drawing/2014/main" id="{2C218A13-0966-4BF6-B7DF-6829B909A210}"/>
+                <a16:creationId xmlns:a16="http://schemas.microsoft.com/office/drawing/2014/main" xmlns="" id="{2C218A13-0966-4BF6-B7DF-6829B909A210}"/>
               </a:ext>
             </a:extLst>
           </p:cNvPr>
@@ -43464,7 +43439,7 @@
           <p:cNvPr id="27" name="TextBox 9">
             <a:extLst>
               <a:ext uri="{FF2B5EF4-FFF2-40B4-BE49-F238E27FC236}">
-                <a16:creationId xmlns:a16="http://schemas.microsoft.com/office/drawing/2014/main" id="{9C0654F6-20B0-43FC-8B98-9FA01D381DE8}"/>
+                <a16:creationId xmlns:a16="http://schemas.microsoft.com/office/drawing/2014/main" xmlns="" id="{9C0654F6-20B0-43FC-8B98-9FA01D381DE8}"/>
               </a:ext>
             </a:extLst>
           </p:cNvPr>
@@ -43526,7 +43501,7 @@
           <p:cNvPr id="28" name="그림 27">
             <a:extLst>
               <a:ext uri="{FF2B5EF4-FFF2-40B4-BE49-F238E27FC236}">
-                <a16:creationId xmlns:a16="http://schemas.microsoft.com/office/drawing/2014/main" id="{DB8F139E-A2EA-4553-9B8C-AB2A4C5EFF2F}"/>
+                <a16:creationId xmlns:a16="http://schemas.microsoft.com/office/drawing/2014/main" xmlns="" id="{DB8F139E-A2EA-4553-9B8C-AB2A4C5EFF2F}"/>
               </a:ext>
             </a:extLst>
           </p:cNvPr>
@@ -43556,7 +43531,7 @@
           <p:cNvPr id="30" name="이등변 삼각형 29">
             <a:extLst>
               <a:ext uri="{FF2B5EF4-FFF2-40B4-BE49-F238E27FC236}">
-                <a16:creationId xmlns:a16="http://schemas.microsoft.com/office/drawing/2014/main" id="{2FF7D678-280E-44E6-93C1-BA70FC4C5D05}"/>
+                <a16:creationId xmlns:a16="http://schemas.microsoft.com/office/drawing/2014/main" xmlns="" id="{2FF7D678-280E-44E6-93C1-BA70FC4C5D05}"/>
               </a:ext>
             </a:extLst>
           </p:cNvPr>
@@ -43885,7 +43860,7 @@
           <p:cNvPr id="67" name="그림 66">
             <a:extLst>
               <a:ext uri="{FF2B5EF4-FFF2-40B4-BE49-F238E27FC236}">
-                <a16:creationId xmlns:a16="http://schemas.microsoft.com/office/drawing/2014/main" id="{25775039-062C-4E40-AE86-EAA65909E853}"/>
+                <a16:creationId xmlns:a16="http://schemas.microsoft.com/office/drawing/2014/main" xmlns="" id="{25775039-062C-4E40-AE86-EAA65909E853}"/>
               </a:ext>
             </a:extLst>
           </p:cNvPr>
@@ -43915,7 +43890,7 @@
           <p:cNvPr id="75" name="모서리가 둥근 직사각형 48">
             <a:extLst>
               <a:ext uri="{FF2B5EF4-FFF2-40B4-BE49-F238E27FC236}">
-                <a16:creationId xmlns:a16="http://schemas.microsoft.com/office/drawing/2014/main" id="{395810E2-F352-4D68-9B9A-272C0C883FB6}"/>
+                <a16:creationId xmlns:a16="http://schemas.microsoft.com/office/drawing/2014/main" xmlns="" id="{395810E2-F352-4D68-9B9A-272C0C883FB6}"/>
               </a:ext>
             </a:extLst>
           </p:cNvPr>
@@ -44064,7 +44039,7 @@
           <p:cNvPr id="76" name="이등변 삼각형 75">
             <a:extLst>
               <a:ext uri="{FF2B5EF4-FFF2-40B4-BE49-F238E27FC236}">
-                <a16:creationId xmlns:a16="http://schemas.microsoft.com/office/drawing/2014/main" id="{B841699D-78CE-42AC-BD76-99B919D7490F}"/>
+                <a16:creationId xmlns:a16="http://schemas.microsoft.com/office/drawing/2014/main" xmlns="" id="{B841699D-78CE-42AC-BD76-99B919D7490F}"/>
               </a:ext>
             </a:extLst>
           </p:cNvPr>
@@ -44139,7 +44114,7 @@
                 <a:gridCol w="2016125">
                   <a:extLst>
                     <a:ext uri="{9D8B030D-6E8A-4147-A177-3AD203B41FA5}">
-                      <a16:colId xmlns:a16="http://schemas.microsoft.com/office/drawing/2014/main" val="20000"/>
+                      <a16:colId xmlns:a16="http://schemas.microsoft.com/office/drawing/2014/main" xmlns="" val="20000"/>
                     </a:ext>
                   </a:extLst>
                 </a:gridCol>
@@ -44243,7 +44218,7 @@
                 </a:tc>
                 <a:extLst>
                   <a:ext uri="{0D108BD9-81ED-4DB2-BD59-A6C34878D82A}">
-                    <a16:rowId xmlns:a16="http://schemas.microsoft.com/office/drawing/2014/main" val="10000"/>
+                    <a16:rowId xmlns:a16="http://schemas.microsoft.com/office/drawing/2014/main" xmlns="" val="10000"/>
                   </a:ext>
                 </a:extLst>
               </a:tr>
@@ -45271,7 +45246,7 @@
           <p:cNvPr id="81" name="Picture 4">
             <a:extLst>
               <a:ext uri="{FF2B5EF4-FFF2-40B4-BE49-F238E27FC236}">
-                <a16:creationId xmlns:a16="http://schemas.microsoft.com/office/drawing/2014/main" id="{0BE31CF1-9B7B-4161-ADA4-98B2F5447D70}"/>
+                <a16:creationId xmlns:a16="http://schemas.microsoft.com/office/drawing/2014/main" xmlns="" id="{0BE31CF1-9B7B-4161-ADA4-98B2F5447D70}"/>
               </a:ext>
             </a:extLst>
           </p:cNvPr>
@@ -45341,7 +45316,7 @@
           <p:cNvPr id="48" name="그림 47">
             <a:extLst>
               <a:ext uri="{FF2B5EF4-FFF2-40B4-BE49-F238E27FC236}">
-                <a16:creationId xmlns:a16="http://schemas.microsoft.com/office/drawing/2014/main" id="{19169159-FA9D-4B43-9785-2CD20D7903C3}"/>
+                <a16:creationId xmlns:a16="http://schemas.microsoft.com/office/drawing/2014/main" xmlns="" id="{19169159-FA9D-4B43-9785-2CD20D7903C3}"/>
               </a:ext>
             </a:extLst>
           </p:cNvPr>
@@ -45377,7 +45352,7 @@
           <p:cNvPr id="35" name="직사각형 21">
             <a:extLst>
               <a:ext uri="{FF2B5EF4-FFF2-40B4-BE49-F238E27FC236}">
-                <a16:creationId xmlns:a16="http://schemas.microsoft.com/office/drawing/2014/main" id="{228CC343-7D2E-4FDD-A34D-CC2C15B61DCD}"/>
+                <a16:creationId xmlns:a16="http://schemas.microsoft.com/office/drawing/2014/main" xmlns="" id="{228CC343-7D2E-4FDD-A34D-CC2C15B61DCD}"/>
               </a:ext>
             </a:extLst>
           </p:cNvPr>
@@ -45443,7 +45418,7 @@
           <p:cNvPr id="38" name="TextBox 7">
             <a:extLst>
               <a:ext uri="{FF2B5EF4-FFF2-40B4-BE49-F238E27FC236}">
-                <a16:creationId xmlns:a16="http://schemas.microsoft.com/office/drawing/2014/main" id="{8C9F3C94-025F-4818-97B6-101D61C3E0F1}"/>
+                <a16:creationId xmlns:a16="http://schemas.microsoft.com/office/drawing/2014/main" xmlns="" id="{8C9F3C94-025F-4818-97B6-101D61C3E0F1}"/>
               </a:ext>
             </a:extLst>
           </p:cNvPr>
@@ -45487,7 +45462,7 @@
           <p:cNvPr id="39" name="TextBox 8">
             <a:extLst>
               <a:ext uri="{FF2B5EF4-FFF2-40B4-BE49-F238E27FC236}">
-                <a16:creationId xmlns:a16="http://schemas.microsoft.com/office/drawing/2014/main" id="{1F676751-7752-4C69-8EA6-39A7A2B1F932}"/>
+                <a16:creationId xmlns:a16="http://schemas.microsoft.com/office/drawing/2014/main" xmlns="" id="{1F676751-7752-4C69-8EA6-39A7A2B1F932}"/>
               </a:ext>
             </a:extLst>
           </p:cNvPr>
@@ -45538,7 +45513,7 @@
           <p:cNvPr id="41" name="TextBox 9">
             <a:extLst>
               <a:ext uri="{FF2B5EF4-FFF2-40B4-BE49-F238E27FC236}">
-                <a16:creationId xmlns:a16="http://schemas.microsoft.com/office/drawing/2014/main" id="{F7FDE20C-DB8A-499D-AEB4-D6E741891064}"/>
+                <a16:creationId xmlns:a16="http://schemas.microsoft.com/office/drawing/2014/main" xmlns="" id="{F7FDE20C-DB8A-499D-AEB4-D6E741891064}"/>
               </a:ext>
             </a:extLst>
           </p:cNvPr>
@@ -45600,7 +45575,7 @@
           <p:cNvPr id="42" name="그룹 41">
             <a:extLst>
               <a:ext uri="{FF2B5EF4-FFF2-40B4-BE49-F238E27FC236}">
-                <a16:creationId xmlns:a16="http://schemas.microsoft.com/office/drawing/2014/main" id="{BF1124FE-B7D2-410F-955D-119E2D327EE4}"/>
+                <a16:creationId xmlns:a16="http://schemas.microsoft.com/office/drawing/2014/main" xmlns="" id="{BF1124FE-B7D2-410F-955D-119E2D327EE4}"/>
               </a:ext>
             </a:extLst>
           </p:cNvPr>
@@ -45620,7 +45595,7 @@
             <p:cNvPr id="43" name="그룹 42">
               <a:extLst>
                 <a:ext uri="{FF2B5EF4-FFF2-40B4-BE49-F238E27FC236}">
-                  <a16:creationId xmlns:a16="http://schemas.microsoft.com/office/drawing/2014/main" id="{A8CA6B70-3532-430C-B1F4-F1D39C2529E1}"/>
+                  <a16:creationId xmlns:a16="http://schemas.microsoft.com/office/drawing/2014/main" xmlns="" id="{A8CA6B70-3532-430C-B1F4-F1D39C2529E1}"/>
                 </a:ext>
               </a:extLst>
             </p:cNvPr>
@@ -45640,7 +45615,7 @@
               <p:cNvPr id="61" name="직사각형 60">
                 <a:extLst>
                   <a:ext uri="{FF2B5EF4-FFF2-40B4-BE49-F238E27FC236}">
-                    <a16:creationId xmlns:a16="http://schemas.microsoft.com/office/drawing/2014/main" id="{2879B721-E74E-431C-8D11-A462EC367640}"/>
+                    <a16:creationId xmlns:a16="http://schemas.microsoft.com/office/drawing/2014/main" xmlns="" id="{2879B721-E74E-431C-8D11-A462EC367640}"/>
                   </a:ext>
                 </a:extLst>
               </p:cNvPr>
@@ -45819,7 +45794,7 @@
               <p:cNvPr id="62" name="TextBox 91">
                 <a:extLst>
                   <a:ext uri="{FF2B5EF4-FFF2-40B4-BE49-F238E27FC236}">
-                    <a16:creationId xmlns:a16="http://schemas.microsoft.com/office/drawing/2014/main" id="{2FDCEFA6-A891-42DE-BDF7-066FF1919283}"/>
+                    <a16:creationId xmlns:a16="http://schemas.microsoft.com/office/drawing/2014/main" xmlns="" id="{2FDCEFA6-A891-42DE-BDF7-066FF1919283}"/>
                   </a:ext>
                 </a:extLst>
               </p:cNvPr>
@@ -46008,7 +45983,7 @@
             <p:cNvPr id="46" name="그룹 45">
               <a:extLst>
                 <a:ext uri="{FF2B5EF4-FFF2-40B4-BE49-F238E27FC236}">
-                  <a16:creationId xmlns:a16="http://schemas.microsoft.com/office/drawing/2014/main" id="{CBC87E2D-1DC6-410F-93F0-369F25BDDFAA}"/>
+                  <a16:creationId xmlns:a16="http://schemas.microsoft.com/office/drawing/2014/main" xmlns="" id="{CBC87E2D-1DC6-410F-93F0-369F25BDDFAA}"/>
                 </a:ext>
               </a:extLst>
             </p:cNvPr>
@@ -46028,7 +46003,7 @@
               <p:cNvPr id="59" name="직사각형 58">
                 <a:extLst>
                   <a:ext uri="{FF2B5EF4-FFF2-40B4-BE49-F238E27FC236}">
-                    <a16:creationId xmlns:a16="http://schemas.microsoft.com/office/drawing/2014/main" id="{391A08F3-7A3B-4559-B2D8-F8B5BFBC1353}"/>
+                    <a16:creationId xmlns:a16="http://schemas.microsoft.com/office/drawing/2014/main" xmlns="" id="{391A08F3-7A3B-4559-B2D8-F8B5BFBC1353}"/>
                   </a:ext>
                 </a:extLst>
               </p:cNvPr>
@@ -46207,7 +46182,7 @@
               <p:cNvPr id="60" name="TextBox 89">
                 <a:extLst>
                   <a:ext uri="{FF2B5EF4-FFF2-40B4-BE49-F238E27FC236}">
-                    <a16:creationId xmlns:a16="http://schemas.microsoft.com/office/drawing/2014/main" id="{FC04E664-CB94-4567-A25E-5A8FC6AEFBBB}"/>
+                    <a16:creationId xmlns:a16="http://schemas.microsoft.com/office/drawing/2014/main" xmlns="" id="{FC04E664-CB94-4567-A25E-5A8FC6AEFBBB}"/>
                   </a:ext>
                 </a:extLst>
               </p:cNvPr>
@@ -46396,7 +46371,7 @@
             <p:cNvPr id="50" name="그룹 49">
               <a:extLst>
                 <a:ext uri="{FF2B5EF4-FFF2-40B4-BE49-F238E27FC236}">
-                  <a16:creationId xmlns:a16="http://schemas.microsoft.com/office/drawing/2014/main" id="{BFC8E201-C456-445E-93B9-07E0AFF2F313}"/>
+                  <a16:creationId xmlns:a16="http://schemas.microsoft.com/office/drawing/2014/main" xmlns="" id="{BFC8E201-C456-445E-93B9-07E0AFF2F313}"/>
                 </a:ext>
               </a:extLst>
             </p:cNvPr>
@@ -46416,7 +46391,7 @@
               <p:cNvPr id="55" name="직사각형 54">
                 <a:extLst>
                   <a:ext uri="{FF2B5EF4-FFF2-40B4-BE49-F238E27FC236}">
-                    <a16:creationId xmlns:a16="http://schemas.microsoft.com/office/drawing/2014/main" id="{866C8EEB-787B-497B-A7DC-65574E4E9FCD}"/>
+                    <a16:creationId xmlns:a16="http://schemas.microsoft.com/office/drawing/2014/main" xmlns="" id="{866C8EEB-787B-497B-A7DC-65574E4E9FCD}"/>
                   </a:ext>
                 </a:extLst>
               </p:cNvPr>
@@ -46594,7 +46569,7 @@
               <p:cNvPr id="56" name="TextBox 77">
                 <a:extLst>
                   <a:ext uri="{FF2B5EF4-FFF2-40B4-BE49-F238E27FC236}">
-                    <a16:creationId xmlns:a16="http://schemas.microsoft.com/office/drawing/2014/main" id="{4BF1DF43-4315-4986-92B2-31FC63A44027}"/>
+                    <a16:creationId xmlns:a16="http://schemas.microsoft.com/office/drawing/2014/main" xmlns="" id="{4BF1DF43-4315-4986-92B2-31FC63A44027}"/>
                   </a:ext>
                 </a:extLst>
               </p:cNvPr>
